--- a/predstavitev.pptx
+++ b/predstavitev.pptx
@@ -4050,8 +4050,8 @@
           </a:p>
         </p:txBody>
       </p:sp>
-      <mc:AlternateContent xmlns:mc="http://schemas.openxmlformats.org/markup-compatibility/2006">
-        <mc:Choice xmlns:a14="http://schemas.microsoft.com/office/drawing/2010/main" Requires="a14">
+      <mc:AlternateContent xmlns:mc="http://schemas.openxmlformats.org/markup-compatibility/2006" xmlns:a14="http://schemas.microsoft.com/office/drawing/2010/main">
+        <mc:Choice Requires="a14">
           <p:sp>
             <p:nvSpPr>
               <p:cNvPr id="10" name="PoljeZBesedilom 9">
@@ -4160,7 +4160,7 @@
             </p:txBody>
           </p:sp>
         </mc:Choice>
-        <mc:Fallback>
+        <mc:Fallback xmlns="">
           <p:sp>
             <p:nvSpPr>
               <p:cNvPr id="10" name="PoljeZBesedilom 9">
@@ -4335,8 +4335,8 @@
           </a:p>
         </p:txBody>
       </p:sp>
-      <mc:AlternateContent xmlns:mc="http://schemas.openxmlformats.org/markup-compatibility/2006">
-        <mc:Choice xmlns:a14="http://schemas.microsoft.com/office/drawing/2010/main" Requires="a14">
+      <mc:AlternateContent xmlns:mc="http://schemas.openxmlformats.org/markup-compatibility/2006" xmlns:a14="http://schemas.microsoft.com/office/drawing/2010/main">
+        <mc:Choice Requires="a14">
           <p:sp>
             <p:nvSpPr>
               <p:cNvPr id="10" name="PoljeZBesedilom 9">
@@ -4472,7 +4472,7 @@
             </p:txBody>
           </p:sp>
         </mc:Choice>
-        <mc:Fallback>
+        <mc:Fallback xmlns="">
           <p:sp>
             <p:nvSpPr>
               <p:cNvPr id="10" name="PoljeZBesedilom 9">
@@ -4611,8 +4611,8 @@
           </a:p>
         </p:txBody>
       </p:sp>
-      <mc:AlternateContent xmlns:mc="http://schemas.openxmlformats.org/markup-compatibility/2006">
-        <mc:Choice xmlns:a14="http://schemas.microsoft.com/office/drawing/2010/main" Requires="a14">
+      <mc:AlternateContent xmlns:mc="http://schemas.openxmlformats.org/markup-compatibility/2006" xmlns:a14="http://schemas.microsoft.com/office/drawing/2010/main">
+        <mc:Choice Requires="a14">
           <p:sp>
             <p:nvSpPr>
               <p:cNvPr id="10" name="PoljeZBesedilom 9">
@@ -4769,7 +4769,7 @@
             </p:txBody>
           </p:sp>
         </mc:Choice>
-        <mc:Fallback>
+        <mc:Fallback xmlns="">
           <p:sp>
             <p:nvSpPr>
               <p:cNvPr id="10" name="PoljeZBesedilom 9">
@@ -4938,8 +4938,8 @@
           </a:p>
         </p:txBody>
       </p:sp>
-      <mc:AlternateContent xmlns:mc="http://schemas.openxmlformats.org/markup-compatibility/2006">
-        <mc:Choice xmlns:a14="http://schemas.microsoft.com/office/drawing/2010/main" Requires="a14">
+      <mc:AlternateContent xmlns:mc="http://schemas.openxmlformats.org/markup-compatibility/2006" xmlns:a14="http://schemas.microsoft.com/office/drawing/2010/main">
+        <mc:Choice Requires="a14">
           <p:sp>
             <p:nvSpPr>
               <p:cNvPr id="10" name="PoljeZBesedilom 9">
@@ -5121,7 +5121,7 @@
             </p:txBody>
           </p:sp>
         </mc:Choice>
-        <mc:Fallback>
+        <mc:Fallback xmlns="">
           <p:sp>
             <p:nvSpPr>
               <p:cNvPr id="10" name="PoljeZBesedilom 9">
@@ -5296,8 +5296,8 @@
           </a:p>
         </p:txBody>
       </p:sp>
-      <mc:AlternateContent xmlns:mc="http://schemas.openxmlformats.org/markup-compatibility/2006">
-        <mc:Choice xmlns:a14="http://schemas.microsoft.com/office/drawing/2010/main" Requires="a14">
+      <mc:AlternateContent xmlns:mc="http://schemas.openxmlformats.org/markup-compatibility/2006" xmlns:a14="http://schemas.microsoft.com/office/drawing/2010/main">
+        <mc:Choice Requires="a14">
           <p:sp>
             <p:nvSpPr>
               <p:cNvPr id="10" name="PoljeZBesedilom 9">
@@ -5480,7 +5480,7 @@
             </p:txBody>
           </p:sp>
         </mc:Choice>
-        <mc:Fallback>
+        <mc:Fallback xmlns="">
           <p:sp>
             <p:nvSpPr>
               <p:cNvPr id="10" name="PoljeZBesedilom 9">
@@ -5655,8 +5655,8 @@
           </a:p>
         </p:txBody>
       </p:sp>
-      <mc:AlternateContent xmlns:mc="http://schemas.openxmlformats.org/markup-compatibility/2006">
-        <mc:Choice xmlns:a14="http://schemas.microsoft.com/office/drawing/2010/main" Requires="a14">
+      <mc:AlternateContent xmlns:mc="http://schemas.openxmlformats.org/markup-compatibility/2006" xmlns:a14="http://schemas.microsoft.com/office/drawing/2010/main">
+        <mc:Choice Requires="a14">
           <p:sp>
             <p:nvSpPr>
               <p:cNvPr id="10" name="PoljeZBesedilom 9">
@@ -5834,7 +5834,7 @@
             </p:txBody>
           </p:sp>
         </mc:Choice>
-        <mc:Fallback>
+        <mc:Fallback xmlns="">
           <p:sp>
             <p:nvSpPr>
               <p:cNvPr id="10" name="PoljeZBesedilom 9">
@@ -5973,8 +5973,8 @@
           </a:p>
         </p:txBody>
       </p:sp>
-      <mc:AlternateContent xmlns:mc="http://schemas.openxmlformats.org/markup-compatibility/2006">
-        <mc:Choice xmlns:a14="http://schemas.microsoft.com/office/drawing/2010/main" Requires="a14">
+      <mc:AlternateContent xmlns:mc="http://schemas.openxmlformats.org/markup-compatibility/2006" xmlns:a14="http://schemas.microsoft.com/office/drawing/2010/main">
+        <mc:Choice Requires="a14">
           <p:sp>
             <p:nvSpPr>
               <p:cNvPr id="10" name="PoljeZBesedilom 9">
@@ -6133,7 +6133,7 @@
             </p:txBody>
           </p:sp>
         </mc:Choice>
-        <mc:Fallback>
+        <mc:Fallback xmlns="">
           <p:sp>
             <p:nvSpPr>
               <p:cNvPr id="10" name="PoljeZBesedilom 9">
@@ -6272,8 +6272,8 @@
           </a:p>
         </p:txBody>
       </p:sp>
-      <mc:AlternateContent xmlns:mc="http://schemas.openxmlformats.org/markup-compatibility/2006">
-        <mc:Choice xmlns:a14="http://schemas.microsoft.com/office/drawing/2010/main" Requires="a14">
+      <mc:AlternateContent xmlns:mc="http://schemas.openxmlformats.org/markup-compatibility/2006" xmlns:a14="http://schemas.microsoft.com/office/drawing/2010/main">
+        <mc:Choice Requires="a14">
           <p:sp>
             <p:nvSpPr>
               <p:cNvPr id="10" name="PoljeZBesedilom 9">
@@ -6445,7 +6445,7 @@
             </p:txBody>
           </p:sp>
         </mc:Choice>
-        <mc:Fallback>
+        <mc:Fallback xmlns="">
           <p:sp>
             <p:nvSpPr>
               <p:cNvPr id="10" name="PoljeZBesedilom 9">
@@ -6620,8 +6620,8 @@
           </a:p>
         </p:txBody>
       </p:sp>
-      <mc:AlternateContent xmlns:mc="http://schemas.openxmlformats.org/markup-compatibility/2006">
-        <mc:Choice xmlns:a14="http://schemas.microsoft.com/office/drawing/2010/main" Requires="a14">
+      <mc:AlternateContent xmlns:mc="http://schemas.openxmlformats.org/markup-compatibility/2006" xmlns:a14="http://schemas.microsoft.com/office/drawing/2010/main">
+        <mc:Choice Requires="a14">
           <p:sp>
             <p:nvSpPr>
               <p:cNvPr id="10" name="PoljeZBesedilom 9">
@@ -6913,7 +6913,7 @@
             </p:txBody>
           </p:sp>
         </mc:Choice>
-        <mc:Fallback>
+        <mc:Fallback xmlns="">
           <p:sp>
             <p:nvSpPr>
               <p:cNvPr id="10" name="PoljeZBesedilom 9">
@@ -7088,8 +7088,8 @@
           </a:p>
         </p:txBody>
       </p:sp>
-      <mc:AlternateContent xmlns:mc="http://schemas.openxmlformats.org/markup-compatibility/2006">
-        <mc:Choice xmlns:a14="http://schemas.microsoft.com/office/drawing/2010/main" Requires="a14">
+      <mc:AlternateContent xmlns:mc="http://schemas.openxmlformats.org/markup-compatibility/2006" xmlns:a14="http://schemas.microsoft.com/office/drawing/2010/main">
+        <mc:Choice Requires="a14">
           <p:sp>
             <p:nvSpPr>
               <p:cNvPr id="3" name="Označba mesta vsebine 2">
@@ -7353,7 +7353,7 @@
             </p:txBody>
           </p:sp>
         </mc:Choice>
-        <mc:Fallback>
+        <mc:Fallback xmlns="">
           <p:sp>
             <p:nvSpPr>
               <p:cNvPr id="3" name="Označba mesta vsebine 2">
@@ -7475,60 +7475,72 @@
         </p:spPr>
         <p:txBody>
           <a:bodyPr>
-            <a:normAutofit fontScale="92500" lnSpcReduction="10000"/>
+            <a:normAutofit/>
           </a:bodyPr>
           <a:lstStyle/>
           <a:p>
-            <a:r>
-              <a:rPr lang="sl-SI" dirty="0">
+            <a:pPr>
+              <a:buFont typeface="Arial" panose="020B0604020202020204" pitchFamily="34" charset="0"/>
+              <a:buChar char="•"/>
+            </a:pPr>
+            <a:r>
+              <a:rPr lang="sl-SI" sz="1800" dirty="0">
                 <a:effectLst/>
               </a:rPr>
               <a:t>Metoda gradientnega spusta.</a:t>
             </a:r>
           </a:p>
           <a:p>
-            <a:r>
-              <a:rPr lang="sl-SI" dirty="0">
+            <a:pPr>
+              <a:buFont typeface="Arial" panose="020B0604020202020204" pitchFamily="34" charset="0"/>
+              <a:buChar char="•"/>
+            </a:pPr>
+            <a:r>
+              <a:rPr lang="sl-SI" sz="1800" dirty="0">
                 <a:effectLst/>
               </a:rPr>
               <a:t>Enostavna razlaga: stojimo na vrhu hriba in si želimo priti do doline. Odpravimo se po poti navzdol, ki je najbolj strma. Na začetku delamo velike korake, </a:t>
             </a:r>
             <a:r>
-              <a:rPr lang="sl-SI" dirty="0"/>
+              <a:rPr lang="sl-SI" sz="1800" dirty="0"/>
               <a:t>kasneje </a:t>
             </a:r>
             <a:r>
-              <a:rPr lang="sl-SI" dirty="0">
+              <a:rPr lang="sl-SI" sz="1800" dirty="0">
                 <a:effectLst/>
               </a:rPr>
               <a:t>manjše.</a:t>
             </a:r>
           </a:p>
           <a:p>
-            <a:r>
-              <a:rPr lang="sl-SI" dirty="0">
+            <a:pPr>
+              <a:buFont typeface="Arial" panose="020B0604020202020204" pitchFamily="34" charset="0"/>
+              <a:buChar char="•"/>
+            </a:pPr>
+            <a:r>
+              <a:rPr lang="sl-SI" sz="1800" dirty="0">
                 <a:effectLst/>
               </a:rPr>
               <a:t>Projekt sem izdelala v programu </a:t>
             </a:r>
             <a:r>
-              <a:rPr lang="sl-SI" dirty="0" err="1">
+              <a:rPr lang="sl-SI" sz="1800" dirty="0" err="1">
                 <a:effectLst/>
               </a:rPr>
               <a:t>Matlab</a:t>
             </a:r>
             <a:r>
-              <a:rPr lang="sl-SI" dirty="0">
+              <a:rPr lang="sl-SI" sz="1800" dirty="0">
                 <a:effectLst/>
               </a:rPr>
               <a:t> (linearna regresija, funkcije ene in več spremenljivk).</a:t>
             </a:r>
             <a:br>
-              <a:rPr lang="sl-SI" dirty="0">
+              <a:rPr lang="sl-SI" sz="1800" dirty="0">
                 <a:effectLst/>
               </a:rPr>
             </a:br>
-            <a:endParaRPr lang="sl-SI" dirty="0"/>
+            <a:endParaRPr lang="sl-SI" sz="1800" dirty="0"/>
           </a:p>
         </p:txBody>
       </p:sp>
@@ -8115,7 +8127,7 @@
                     <m:sSub>
                       <m:sSubPr>
                         <m:ctrlPr>
-                          <a:rPr lang="sl-SI" sz="1800" i="1" smtClean="0">
+                          <a:rPr lang="sl-SI" sz="1800" smtClean="0">
                             <a:effectLst/>
                             <a:latin typeface="Cambria Math" panose="02040503050406030204" pitchFamily="18" charset="0"/>
                           </a:rPr>
@@ -8151,7 +8163,7 @@
                     <m:sSup>
                       <m:sSupPr>
                         <m:ctrlPr>
-                          <a:rPr lang="sl-SI" sz="1800" i="1" smtClean="0">
+                          <a:rPr lang="sl-SI" sz="1800" smtClean="0">
                             <a:effectLst/>
                             <a:latin typeface="Cambria Math" panose="02040503050406030204" pitchFamily="18" charset="0"/>
                             <a:ea typeface="Cambria Math" panose="02040503050406030204" pitchFamily="18" charset="0"/>
@@ -8200,7 +8212,7 @@
                     <m:sSub>
                       <m:sSubPr>
                         <m:ctrlPr>
-                          <a:rPr lang="sl-SI" sz="1800" i="1" smtClean="0">
+                          <a:rPr lang="sl-SI" sz="1800" smtClean="0">
                             <a:effectLst/>
                             <a:latin typeface="Cambria Math" panose="02040503050406030204" pitchFamily="18" charset="0"/>
                           </a:rPr>
@@ -8235,7 +8247,7 @@
                     <m:sSub>
                       <m:sSubPr>
                         <m:ctrlPr>
-                          <a:rPr lang="sl-SI" sz="1800" b="0" i="1" smtClean="0">
+                          <a:rPr lang="sl-SI" sz="1800" b="0" smtClean="0">
                             <a:effectLst/>
                             <a:latin typeface="Cambria Math" panose="02040503050406030204" pitchFamily="18" charset="0"/>
                           </a:rPr>
@@ -8273,7 +8285,7 @@
                     <m:sSub>
                       <m:sSubPr>
                         <m:ctrlPr>
-                          <a:rPr lang="sl-SI" sz="1800" i="1">
+                          <a:rPr lang="sl-SI" sz="1800">
                             <a:latin typeface="Cambria Math" panose="02040503050406030204" pitchFamily="18" charset="0"/>
                           </a:rPr>
                         </m:ctrlPr>
@@ -8320,7 +8332,7 @@
                     <m:sSub>
                       <m:sSubPr>
                         <m:ctrlPr>
-                          <a:rPr lang="sl-SI" sz="1800" i="1">
+                          <a:rPr lang="sl-SI" sz="1800">
                             <a:latin typeface="Cambria Math" panose="02040503050406030204" pitchFamily="18" charset="0"/>
                           </a:rPr>
                         </m:ctrlPr>
@@ -8359,14 +8371,11 @@
                 <a14:m>
                   <m:oMath xmlns:m="http://schemas.openxmlformats.org/officeDocument/2006/math">
                     <m:r>
-                      <m:rPr>
-                        <m:sty m:val="p"/>
-                      </m:rPr>
                       <a:rPr lang="sl-SI" sz="1800" i="1">
                         <a:latin typeface="Cambria Math" panose="02040503050406030204" pitchFamily="18" charset="0"/>
                         <a:ea typeface="Cambria Math" panose="02040503050406030204" pitchFamily="18" charset="0"/>
                       </a:rPr>
-                      <m:t>∇</m:t>
+                      <m:t>𝛻</m:t>
                     </m:r>
                     <m:r>
                       <a:rPr lang="sl-SI" sz="1800" i="1">
@@ -8378,7 +8387,7 @@
                     <m:d>
                       <m:dPr>
                         <m:ctrlPr>
-                          <a:rPr lang="sl-SI" sz="1800" i="1">
+                          <a:rPr lang="sl-SI" sz="1800">
                             <a:latin typeface="Cambria Math" panose="02040503050406030204" pitchFamily="18" charset="0"/>
                             <a:ea typeface="Cambria Math" panose="02040503050406030204" pitchFamily="18" charset="0"/>
                           </a:rPr>
@@ -8388,7 +8397,7 @@
                         <m:sSub>
                           <m:sSubPr>
                             <m:ctrlPr>
-                              <a:rPr lang="sl-SI" sz="1800" i="1" smtClean="0">
+                              <a:rPr lang="sl-SI" sz="1800" smtClean="0">
                                 <a:latin typeface="Cambria Math" panose="02040503050406030204" pitchFamily="18" charset="0"/>
                                 <a:ea typeface="Cambria Math" panose="02040503050406030204" pitchFamily="18" charset="0"/>
                               </a:rPr>
@@ -8588,31 +8597,1403 @@
           </a:p>
         </p:txBody>
       </p:sp>
-      <p:sp>
-        <p:nvSpPr>
-          <p:cNvPr id="3" name="Označba mesta vsebine 2">
-            <a:extLst>
-              <a:ext uri="{FF2B5EF4-FFF2-40B4-BE49-F238E27FC236}">
-                <a16:creationId xmlns:a16="http://schemas.microsoft.com/office/drawing/2014/main" id="{1497A39A-A63B-37AB-1ECB-D0934C1827A1}"/>
-              </a:ext>
-            </a:extLst>
-          </p:cNvPr>
-          <p:cNvSpPr>
-            <a:spLocks noGrp="1"/>
-          </p:cNvSpPr>
-          <p:nvPr>
-            <p:ph idx="1"/>
-          </p:nvPr>
-        </p:nvSpPr>
-        <p:spPr/>
-        <p:txBody>
-          <a:bodyPr/>
-          <a:lstStyle/>
-          <a:p>
-            <a:endParaRPr lang="sl-SI"/>
-          </a:p>
-        </p:txBody>
-      </p:sp>
+      <mc:AlternateContent xmlns:mc="http://schemas.openxmlformats.org/markup-compatibility/2006">
+        <mc:Choice xmlns:a14="http://schemas.microsoft.com/office/drawing/2010/main" Requires="a14">
+          <p:sp>
+            <p:nvSpPr>
+              <p:cNvPr id="3" name="Označba mesta vsebine 2">
+                <a:extLst>
+                  <a:ext uri="{FF2B5EF4-FFF2-40B4-BE49-F238E27FC236}">
+                    <a16:creationId xmlns:a16="http://schemas.microsoft.com/office/drawing/2014/main" id="{1497A39A-A63B-37AB-1ECB-D0934C1827A1}"/>
+                  </a:ext>
+                </a:extLst>
+              </p:cNvPr>
+              <p:cNvSpPr>
+                <a:spLocks noGrp="1"/>
+              </p:cNvSpPr>
+              <p:nvPr>
+                <p:ph idx="1"/>
+              </p:nvPr>
+            </p:nvSpPr>
+            <p:spPr>
+              <a:xfrm>
+                <a:off x="1347537" y="1428750"/>
+                <a:ext cx="9601200" cy="4415118"/>
+              </a:xfrm>
+            </p:spPr>
+            <p:txBody>
+              <a:bodyPr>
+                <a:noAutofit/>
+              </a:bodyPr>
+              <a:lstStyle/>
+              <a:p>
+                <a:pPr marL="0" indent="0">
+                  <a:buNone/>
+                </a:pPr>
+                <a:r>
+                  <a:rPr lang="sl-SI" sz="1800" dirty="0">
+                    <a:effectLst/>
+                  </a:rPr>
+                  <a:t>Zakaj ime gradientni spust? To ime je povezano z drugim korakom, torej z izračunom točke </a:t>
+                </a:r>
+                <a14:m>
+                  <m:oMath xmlns:m="http://schemas.openxmlformats.org/officeDocument/2006/math">
+                    <m:sSub>
+                      <m:sSubPr>
+                        <m:ctrlPr>
+                          <a:rPr lang="sl-SI" sz="1800" i="1" smtClean="0">
+                            <a:latin typeface="Cambria Math" panose="02040503050406030204" pitchFamily="18" charset="0"/>
+                          </a:rPr>
+                        </m:ctrlPr>
+                      </m:sSubPr>
+                      <m:e>
+                        <m:r>
+                          <a:rPr lang="sl-SI" sz="1800" i="1">
+                            <a:latin typeface="Cambria Math" panose="02040503050406030204" pitchFamily="18" charset="0"/>
+                          </a:rPr>
+                          <m:t>𝑥</m:t>
+                        </m:r>
+                      </m:e>
+                      <m:sub>
+                        <m:r>
+                          <a:rPr lang="sl-SI" sz="1800" i="1">
+                            <a:latin typeface="Cambria Math" panose="02040503050406030204" pitchFamily="18" charset="0"/>
+                          </a:rPr>
+                          <m:t>𝑡</m:t>
+                        </m:r>
+                        <m:r>
+                          <a:rPr lang="sl-SI" sz="1800" b="0" i="1" smtClean="0">
+                            <a:latin typeface="Cambria Math" panose="02040503050406030204" pitchFamily="18" charset="0"/>
+                          </a:rPr>
+                          <m:t>+1</m:t>
+                        </m:r>
+                      </m:sub>
+                    </m:sSub>
+                    <m:r>
+                      <a:rPr lang="sl-SI" sz="1800" b="0" i="1" smtClean="0">
+                        <a:latin typeface="Cambria Math" panose="02040503050406030204" pitchFamily="18" charset="0"/>
+                      </a:rPr>
+                      <m:t>.</m:t>
+                    </m:r>
+                    <m:r>
+                      <a:rPr lang="sl-SI" sz="1800" i="1">
+                        <a:latin typeface="Cambria Math" panose="02040503050406030204" pitchFamily="18" charset="0"/>
+                      </a:rPr>
+                      <m:t> </m:t>
+                    </m:r>
+                  </m:oMath>
+                </a14:m>
+                <a:r>
+                  <a:rPr lang="sl-SI" sz="1800" dirty="0">
+                    <a:effectLst/>
+                  </a:rPr>
+                  <a:t>Točke se pomikajo v smeri </a:t>
+                </a:r>
+                <a:r>
+                  <a:rPr lang="sl-SI" sz="1800" b="1" dirty="0">
+                    <a:effectLst/>
+                  </a:rPr>
+                  <a:t>najbolj strmega spusta</a:t>
+                </a:r>
+                <a:r>
+                  <a:rPr lang="sl-SI" sz="1800" dirty="0">
+                    <a:effectLst/>
+                  </a:rPr>
+                  <a:t>. Radi bi izbrali vektor u, za katerega velja</a:t>
+                </a:r>
+              </a:p>
+              <a:p>
+                <a:pPr marL="0" indent="0">
+                  <a:buNone/>
+                </a:pPr>
+                <a:endParaRPr lang="sl-SI" sz="1800" dirty="0">
+                  <a:effectLst/>
+                </a:endParaRPr>
+              </a:p>
+              <a:p>
+                <a:pPr marL="0" indent="0">
+                  <a:buNone/>
+                </a:pPr>
+                <a14:m>
+                  <m:oMathPara xmlns:m="http://schemas.openxmlformats.org/officeDocument/2006/math">
+                    <m:oMathParaPr>
+                      <m:jc m:val="center"/>
+                    </m:oMathParaPr>
+                    <m:oMath xmlns:m="http://schemas.openxmlformats.org/officeDocument/2006/math">
+                      <m:func>
+                        <m:funcPr>
+                          <m:ctrlPr>
+                            <a:rPr lang="sl-SI" sz="1800" i="1" smtClean="0">
+                              <a:latin typeface="Cambria Math" panose="02040503050406030204" pitchFamily="18" charset="0"/>
+                            </a:rPr>
+                          </m:ctrlPr>
+                        </m:funcPr>
+                        <m:fName>
+                          <m:limLow>
+                            <m:limLowPr>
+                              <m:ctrlPr>
+                                <a:rPr lang="sl-SI" sz="1800" i="1" smtClean="0">
+                                  <a:latin typeface="Cambria Math" panose="02040503050406030204" pitchFamily="18" charset="0"/>
+                                </a:rPr>
+                              </m:ctrlPr>
+                            </m:limLowPr>
+                            <m:e>
+                              <m:r>
+                                <m:rPr>
+                                  <m:sty m:val="p"/>
+                                </m:rPr>
+                                <a:rPr lang="sl-SI" sz="1800" i="0" smtClean="0">
+                                  <a:latin typeface="Cambria Math" panose="02040503050406030204" pitchFamily="18" charset="0"/>
+                                </a:rPr>
+                                <m:t>max</m:t>
+                              </m:r>
+                            </m:e>
+                            <m:lim>
+                              <m:d>
+                                <m:dPr>
+                                  <m:begChr m:val="|"/>
+                                  <m:endChr m:val="|"/>
+                                  <m:ctrlPr>
+                                    <a:rPr lang="sl-SI" sz="1800" b="0" i="1" smtClean="0">
+                                      <a:latin typeface="Cambria Math" panose="02040503050406030204" pitchFamily="18" charset="0"/>
+                                    </a:rPr>
+                                  </m:ctrlPr>
+                                </m:dPr>
+                                <m:e>
+                                  <m:d>
+                                    <m:dPr>
+                                      <m:begChr m:val="|"/>
+                                      <m:endChr m:val="|"/>
+                                      <m:ctrlPr>
+                                        <a:rPr lang="sl-SI" sz="1800" b="0" i="1" smtClean="0">
+                                          <a:latin typeface="Cambria Math" panose="02040503050406030204" pitchFamily="18" charset="0"/>
+                                        </a:rPr>
+                                      </m:ctrlPr>
+                                    </m:dPr>
+                                    <m:e>
+                                      <m:r>
+                                        <a:rPr lang="sl-SI" sz="1800" b="0" i="1" smtClean="0">
+                                          <a:latin typeface="Cambria Math" panose="02040503050406030204" pitchFamily="18" charset="0"/>
+                                        </a:rPr>
+                                        <m:t>𝑢</m:t>
+                                      </m:r>
+                                    </m:e>
+                                  </m:d>
+                                </m:e>
+                              </m:d>
+                              <m:r>
+                                <a:rPr lang="sl-SI" sz="1800" b="0" i="1" smtClean="0">
+                                  <a:latin typeface="Cambria Math" panose="02040503050406030204" pitchFamily="18" charset="0"/>
+                                </a:rPr>
+                                <m:t>=1</m:t>
+                              </m:r>
+                            </m:lim>
+                          </m:limLow>
+                        </m:fName>
+                        <m:e>
+                          <m:d>
+                            <m:dPr>
+                              <m:begChr m:val="["/>
+                              <m:endChr m:val="]"/>
+                              <m:ctrlPr>
+                                <a:rPr lang="sl-SI" sz="1800" i="1" smtClean="0">
+                                  <a:latin typeface="Cambria Math" panose="02040503050406030204" pitchFamily="18" charset="0"/>
+                                </a:rPr>
+                              </m:ctrlPr>
+                            </m:dPr>
+                            <m:e>
+                              <m:func>
+                                <m:funcPr>
+                                  <m:ctrlPr>
+                                    <a:rPr lang="sl-SI" sz="1800" i="1" smtClean="0">
+                                      <a:latin typeface="Cambria Math" panose="02040503050406030204" pitchFamily="18" charset="0"/>
+                                    </a:rPr>
+                                  </m:ctrlPr>
+                                </m:funcPr>
+                                <m:fName>
+                                  <m:limLow>
+                                    <m:limLowPr>
+                                      <m:ctrlPr>
+                                        <a:rPr lang="sl-SI" sz="1800" i="1" smtClean="0">
+                                          <a:latin typeface="Cambria Math" panose="02040503050406030204" pitchFamily="18" charset="0"/>
+                                        </a:rPr>
+                                      </m:ctrlPr>
+                                    </m:limLowPr>
+                                    <m:e>
+                                      <m:r>
+                                        <m:rPr>
+                                          <m:sty m:val="p"/>
+                                        </m:rPr>
+                                        <a:rPr lang="sl-SI" sz="1800" i="0" smtClean="0">
+                                          <a:latin typeface="Cambria Math" panose="02040503050406030204" pitchFamily="18" charset="0"/>
+                                        </a:rPr>
+                                        <m:t>lim</m:t>
+                                      </m:r>
+                                    </m:e>
+                                    <m:lim>
+                                      <m:r>
+                                        <a:rPr lang="sl-SI" sz="1800" i="1" smtClean="0">
+                                          <a:latin typeface="Cambria Math" panose="02040503050406030204" pitchFamily="18" charset="0"/>
+                                          <a:ea typeface="Cambria Math" panose="02040503050406030204" pitchFamily="18" charset="0"/>
+                                        </a:rPr>
+                                        <m:t>𝛿</m:t>
+                                      </m:r>
+                                      <m:r>
+                                        <a:rPr lang="sl-SI" sz="1800" i="1" smtClean="0">
+                                          <a:latin typeface="Cambria Math" panose="02040503050406030204" pitchFamily="18" charset="0"/>
+                                          <a:ea typeface="Cambria Math" panose="02040503050406030204" pitchFamily="18" charset="0"/>
+                                        </a:rPr>
+                                        <m:t>→0</m:t>
+                                      </m:r>
+                                    </m:lim>
+                                  </m:limLow>
+                                </m:fName>
+                                <m:e>
+                                  <m:f>
+                                    <m:fPr>
+                                      <m:ctrlPr>
+                                        <a:rPr lang="sl-SI" sz="1800" i="1" smtClean="0">
+                                          <a:latin typeface="Cambria Math" panose="02040503050406030204" pitchFamily="18" charset="0"/>
+                                        </a:rPr>
+                                      </m:ctrlPr>
+                                    </m:fPr>
+                                    <m:num>
+                                      <m:r>
+                                        <a:rPr lang="sl-SI" sz="1800" b="0" i="1" smtClean="0">
+                                          <a:latin typeface="Cambria Math" panose="02040503050406030204" pitchFamily="18" charset="0"/>
+                                        </a:rPr>
+                                        <m:t>𝑓</m:t>
+                                      </m:r>
+                                      <m:d>
+                                        <m:dPr>
+                                          <m:ctrlPr>
+                                            <a:rPr lang="sl-SI" sz="1800" b="0" i="1" smtClean="0">
+                                              <a:latin typeface="Cambria Math" panose="02040503050406030204" pitchFamily="18" charset="0"/>
+                                            </a:rPr>
+                                          </m:ctrlPr>
+                                        </m:dPr>
+                                        <m:e>
+                                          <m:r>
+                                            <a:rPr lang="sl-SI" sz="1800" b="0" i="1" smtClean="0">
+                                              <a:latin typeface="Cambria Math" panose="02040503050406030204" pitchFamily="18" charset="0"/>
+                                            </a:rPr>
+                                            <m:t>𝑥</m:t>
+                                          </m:r>
+                                        </m:e>
+                                      </m:d>
+                                      <m:r>
+                                        <a:rPr lang="sl-SI" sz="1800" b="0" i="1" smtClean="0">
+                                          <a:latin typeface="Cambria Math" panose="02040503050406030204" pitchFamily="18" charset="0"/>
+                                        </a:rPr>
+                                        <m:t>−</m:t>
+                                      </m:r>
+                                      <m:r>
+                                        <a:rPr lang="sl-SI" sz="1800" b="0" i="1" smtClean="0">
+                                          <a:latin typeface="Cambria Math" panose="02040503050406030204" pitchFamily="18" charset="0"/>
+                                        </a:rPr>
+                                        <m:t>𝑓</m:t>
+                                      </m:r>
+                                      <m:r>
+                                        <a:rPr lang="sl-SI" sz="1800" b="0" i="1" smtClean="0">
+                                          <a:latin typeface="Cambria Math" panose="02040503050406030204" pitchFamily="18" charset="0"/>
+                                        </a:rPr>
+                                        <m:t>(</m:t>
+                                      </m:r>
+                                      <m:r>
+                                        <a:rPr lang="sl-SI" sz="1800" b="0" i="1" smtClean="0">
+                                          <a:latin typeface="Cambria Math" panose="02040503050406030204" pitchFamily="18" charset="0"/>
+                                        </a:rPr>
+                                        <m:t>𝑥</m:t>
+                                      </m:r>
+                                      <m:r>
+                                        <a:rPr lang="sl-SI" sz="1800" b="0" i="1" smtClean="0">
+                                          <a:latin typeface="Cambria Math" panose="02040503050406030204" pitchFamily="18" charset="0"/>
+                                        </a:rPr>
+                                        <m:t>+</m:t>
+                                      </m:r>
+                                      <m:r>
+                                        <a:rPr lang="sl-SI" sz="1800" b="0" i="1" smtClean="0">
+                                          <a:latin typeface="Cambria Math" panose="02040503050406030204" pitchFamily="18" charset="0"/>
+                                          <a:ea typeface="Cambria Math" panose="02040503050406030204" pitchFamily="18" charset="0"/>
+                                        </a:rPr>
+                                        <m:t>𝛿</m:t>
+                                      </m:r>
+                                      <m:r>
+                                        <a:rPr lang="sl-SI" sz="1800" b="0" i="1" smtClean="0">
+                                          <a:latin typeface="Cambria Math" panose="02040503050406030204" pitchFamily="18" charset="0"/>
+                                        </a:rPr>
+                                        <m:t>𝑢</m:t>
+                                      </m:r>
+                                      <m:r>
+                                        <a:rPr lang="sl-SI" sz="1800" b="0" i="1" smtClean="0">
+                                          <a:latin typeface="Cambria Math" panose="02040503050406030204" pitchFamily="18" charset="0"/>
+                                        </a:rPr>
+                                        <m:t>)</m:t>
+                                      </m:r>
+                                    </m:num>
+                                    <m:den>
+                                      <m:r>
+                                        <a:rPr lang="sl-SI" sz="1800" i="1" smtClean="0">
+                                          <a:latin typeface="Cambria Math" panose="02040503050406030204" pitchFamily="18" charset="0"/>
+                                          <a:ea typeface="Cambria Math" panose="02040503050406030204" pitchFamily="18" charset="0"/>
+                                        </a:rPr>
+                                        <m:t>𝛿</m:t>
+                                      </m:r>
+                                    </m:den>
+                                  </m:f>
+                                </m:e>
+                              </m:func>
+                            </m:e>
+                          </m:d>
+                        </m:e>
+                      </m:func>
+                    </m:oMath>
+                  </m:oMathPara>
+                </a14:m>
+                <a:endParaRPr lang="sl-SI" sz="1800" dirty="0"/>
+              </a:p>
+              <a:p>
+                <a:pPr marL="0" indent="0">
+                  <a:buNone/>
+                </a:pPr>
+                <a:br>
+                  <a:rPr lang="sl-SI" sz="1800" dirty="0">
+                    <a:effectLst/>
+                  </a:rPr>
+                </a:br>
+                <a:r>
+                  <a:rPr lang="sl-SI" sz="1800" dirty="0">
+                    <a:effectLst/>
+                  </a:rPr>
+                  <a:t>Kar zapišemo kot : </a:t>
+                </a:r>
+                <a14:m>
+                  <m:oMath xmlns:m="http://schemas.openxmlformats.org/officeDocument/2006/math">
+                    <m:func>
+                      <m:funcPr>
+                        <m:ctrlPr>
+                          <a:rPr lang="sl-SI" sz="1800" i="1" smtClean="0">
+                            <a:latin typeface="Cambria Math" panose="02040503050406030204" pitchFamily="18" charset="0"/>
+                          </a:rPr>
+                        </m:ctrlPr>
+                      </m:funcPr>
+                      <m:fName>
+                        <m:r>
+                          <a:rPr lang="sl-SI" sz="1800" b="0" i="1" smtClean="0">
+                            <a:latin typeface="Cambria Math" panose="02040503050406030204" pitchFamily="18" charset="0"/>
+                          </a:rPr>
+                          <m:t>                     </m:t>
+                        </m:r>
+                        <m:limLow>
+                          <m:limLowPr>
+                            <m:ctrlPr>
+                              <a:rPr lang="sl-SI" sz="1800" i="1" smtClean="0">
+                                <a:latin typeface="Cambria Math" panose="02040503050406030204" pitchFamily="18" charset="0"/>
+                              </a:rPr>
+                            </m:ctrlPr>
+                          </m:limLowPr>
+                          <m:e>
+                            <m:r>
+                              <m:rPr>
+                                <m:sty m:val="p"/>
+                              </m:rPr>
+                              <a:rPr lang="sl-SI" sz="1800" i="0" smtClean="0">
+                                <a:latin typeface="Cambria Math" panose="02040503050406030204" pitchFamily="18" charset="0"/>
+                              </a:rPr>
+                              <m:t>max</m:t>
+                            </m:r>
+                          </m:e>
+                          <m:lim>
+                            <m:d>
+                              <m:dPr>
+                                <m:begChr m:val="|"/>
+                                <m:endChr m:val="|"/>
+                                <m:ctrlPr>
+                                  <a:rPr lang="sl-SI" sz="1800" b="0" i="1" smtClean="0">
+                                    <a:latin typeface="Cambria Math" panose="02040503050406030204" pitchFamily="18" charset="0"/>
+                                  </a:rPr>
+                                </m:ctrlPr>
+                              </m:dPr>
+                              <m:e>
+                                <m:d>
+                                  <m:dPr>
+                                    <m:begChr m:val="|"/>
+                                    <m:endChr m:val="|"/>
+                                    <m:ctrlPr>
+                                      <a:rPr lang="sl-SI" sz="1800" b="0" i="1" smtClean="0">
+                                        <a:latin typeface="Cambria Math" panose="02040503050406030204" pitchFamily="18" charset="0"/>
+                                      </a:rPr>
+                                    </m:ctrlPr>
+                                  </m:dPr>
+                                  <m:e>
+                                    <m:r>
+                                      <a:rPr lang="sl-SI" sz="1800" b="0" i="1" smtClean="0">
+                                        <a:latin typeface="Cambria Math" panose="02040503050406030204" pitchFamily="18" charset="0"/>
+                                      </a:rPr>
+                                      <m:t>𝑢</m:t>
+                                    </m:r>
+                                  </m:e>
+                                </m:d>
+                              </m:e>
+                            </m:d>
+                            <m:r>
+                              <a:rPr lang="sl-SI" sz="1800" b="0" i="1" smtClean="0">
+                                <a:latin typeface="Cambria Math" panose="02040503050406030204" pitchFamily="18" charset="0"/>
+                              </a:rPr>
+                              <m:t>=1</m:t>
+                            </m:r>
+                          </m:lim>
+                        </m:limLow>
+                      </m:fName>
+                      <m:e>
+                        <m:d>
+                          <m:dPr>
+                            <m:begChr m:val="["/>
+                            <m:endChr m:val="]"/>
+                            <m:ctrlPr>
+                              <a:rPr lang="sl-SI" sz="1800" i="1" smtClean="0">
+                                <a:latin typeface="Cambria Math" panose="02040503050406030204" pitchFamily="18" charset="0"/>
+                              </a:rPr>
+                            </m:ctrlPr>
+                          </m:dPr>
+                          <m:e>
+                            <m:r>
+                              <a:rPr lang="sl-SI" sz="1800" b="0" i="1" smtClean="0">
+                                <a:latin typeface="Cambria Math" panose="02040503050406030204" pitchFamily="18" charset="0"/>
+                              </a:rPr>
+                              <m:t>−</m:t>
+                            </m:r>
+                            <m:f>
+                              <m:fPr>
+                                <m:ctrlPr>
+                                  <a:rPr lang="sl-SI" sz="1800" i="1" smtClean="0">
+                                    <a:latin typeface="Cambria Math" panose="02040503050406030204" pitchFamily="18" charset="0"/>
+                                  </a:rPr>
+                                </m:ctrlPr>
+                              </m:fPr>
+                              <m:num>
+                                <m:r>
+                                  <a:rPr lang="sl-SI" sz="1800" i="1" smtClean="0">
+                                    <a:latin typeface="Cambria Math" panose="02040503050406030204" pitchFamily="18" charset="0"/>
+                                  </a:rPr>
+                                  <m:t>𝑑</m:t>
+                                </m:r>
+                                <m:r>
+                                  <a:rPr lang="sl-SI" sz="1800" b="0" i="1" smtClean="0">
+                                    <a:latin typeface="Cambria Math" panose="02040503050406030204" pitchFamily="18" charset="0"/>
+                                  </a:rPr>
+                                  <m:t>𝑓</m:t>
+                                </m:r>
+                              </m:num>
+                              <m:den>
+                                <m:r>
+                                  <a:rPr lang="sl-SI" sz="1800" i="1" smtClean="0">
+                                    <a:latin typeface="Cambria Math" panose="02040503050406030204" pitchFamily="18" charset="0"/>
+                                  </a:rPr>
+                                  <m:t>𝑑</m:t>
+                                </m:r>
+                                <m:r>
+                                  <a:rPr lang="sl-SI" sz="1800" b="0" i="1" smtClean="0">
+                                    <a:latin typeface="Cambria Math" panose="02040503050406030204" pitchFamily="18" charset="0"/>
+                                  </a:rPr>
+                                  <m:t>𝑢</m:t>
+                                </m:r>
+                              </m:den>
+                            </m:f>
+                            <m:r>
+                              <a:rPr lang="sl-SI" sz="1800" b="0" i="1" smtClean="0">
+                                <a:latin typeface="Cambria Math" panose="02040503050406030204" pitchFamily="18" charset="0"/>
+                              </a:rPr>
+                              <m:t>(</m:t>
+                            </m:r>
+                            <m:r>
+                              <a:rPr lang="sl-SI" sz="1800" b="0" i="1" smtClean="0">
+                                <a:latin typeface="Cambria Math" panose="02040503050406030204" pitchFamily="18" charset="0"/>
+                              </a:rPr>
+                              <m:t>𝑥</m:t>
+                            </m:r>
+                            <m:r>
+                              <a:rPr lang="sl-SI" sz="1800" b="0" i="1" smtClean="0">
+                                <a:latin typeface="Cambria Math" panose="02040503050406030204" pitchFamily="18" charset="0"/>
+                              </a:rPr>
+                              <m:t>)</m:t>
+                            </m:r>
+                          </m:e>
+                        </m:d>
+                        <m:r>
+                          <a:rPr lang="sl-SI" sz="1800" b="0" i="1" smtClean="0">
+                            <a:latin typeface="Cambria Math" panose="02040503050406030204" pitchFamily="18" charset="0"/>
+                            <a:ea typeface="Cambria Math" panose="02040503050406030204" pitchFamily="18" charset="0"/>
+                          </a:rPr>
+                          <m:t>= </m:t>
+                        </m:r>
+                      </m:e>
+                    </m:func>
+                  </m:oMath>
+                </a14:m>
+                <a:r>
+                  <a:rPr lang="sl-SI" sz="1800" dirty="0"/>
+                  <a:t> </a:t>
+                </a:r>
+                <a14:m>
+                  <m:oMath xmlns:m="http://schemas.openxmlformats.org/officeDocument/2006/math">
+                    <m:func>
+                      <m:funcPr>
+                        <m:ctrlPr>
+                          <a:rPr lang="sl-SI" sz="1800" i="1">
+                            <a:latin typeface="Cambria Math" panose="02040503050406030204" pitchFamily="18" charset="0"/>
+                          </a:rPr>
+                        </m:ctrlPr>
+                      </m:funcPr>
+                      <m:fName>
+                        <m:limLow>
+                          <m:limLowPr>
+                            <m:ctrlPr>
+                              <a:rPr lang="sl-SI" sz="1800" i="1">
+                                <a:latin typeface="Cambria Math" panose="02040503050406030204" pitchFamily="18" charset="0"/>
+                              </a:rPr>
+                            </m:ctrlPr>
+                          </m:limLowPr>
+                          <m:e>
+                            <m:r>
+                              <m:rPr>
+                                <m:sty m:val="p"/>
+                              </m:rPr>
+                              <a:rPr lang="sl-SI" sz="1800">
+                                <a:latin typeface="Cambria Math" panose="02040503050406030204" pitchFamily="18" charset="0"/>
+                              </a:rPr>
+                              <m:t>max</m:t>
+                            </m:r>
+                          </m:e>
+                          <m:lim>
+                            <m:d>
+                              <m:dPr>
+                                <m:begChr m:val="|"/>
+                                <m:endChr m:val="|"/>
+                                <m:ctrlPr>
+                                  <a:rPr lang="sl-SI" sz="1800" i="1">
+                                    <a:latin typeface="Cambria Math" panose="02040503050406030204" pitchFamily="18" charset="0"/>
+                                  </a:rPr>
+                                </m:ctrlPr>
+                              </m:dPr>
+                              <m:e>
+                                <m:d>
+                                  <m:dPr>
+                                    <m:begChr m:val="|"/>
+                                    <m:endChr m:val="|"/>
+                                    <m:ctrlPr>
+                                      <a:rPr lang="sl-SI" sz="1800" i="1">
+                                        <a:latin typeface="Cambria Math" panose="02040503050406030204" pitchFamily="18" charset="0"/>
+                                      </a:rPr>
+                                    </m:ctrlPr>
+                                  </m:dPr>
+                                  <m:e>
+                                    <m:r>
+                                      <a:rPr lang="sl-SI" sz="1800" i="1">
+                                        <a:latin typeface="Cambria Math" panose="02040503050406030204" pitchFamily="18" charset="0"/>
+                                      </a:rPr>
+                                      <m:t>𝑢</m:t>
+                                    </m:r>
+                                  </m:e>
+                                </m:d>
+                              </m:e>
+                            </m:d>
+                            <m:r>
+                              <a:rPr lang="sl-SI" sz="1800" i="1">
+                                <a:latin typeface="Cambria Math" panose="02040503050406030204" pitchFamily="18" charset="0"/>
+                              </a:rPr>
+                              <m:t>=1</m:t>
+                            </m:r>
+                          </m:lim>
+                        </m:limLow>
+                      </m:fName>
+                      <m:e>
+                        <m:d>
+                          <m:dPr>
+                            <m:begChr m:val="["/>
+                            <m:endChr m:val="]"/>
+                            <m:ctrlPr>
+                              <a:rPr lang="sl-SI" sz="1800" i="1">
+                                <a:latin typeface="Cambria Math" panose="02040503050406030204" pitchFamily="18" charset="0"/>
+                              </a:rPr>
+                            </m:ctrlPr>
+                          </m:dPr>
+                          <m:e>
+                            <m:r>
+                              <a:rPr lang="sl-SI" sz="1800" i="1">
+                                <a:latin typeface="Cambria Math" panose="02040503050406030204" pitchFamily="18" charset="0"/>
+                              </a:rPr>
+                              <m:t>−</m:t>
+                            </m:r>
+                            <m:r>
+                              <a:rPr lang="sl-SI" sz="1800" i="1" smtClean="0">
+                                <a:latin typeface="Cambria Math" panose="02040503050406030204" pitchFamily="18" charset="0"/>
+                                <a:ea typeface="Cambria Math" panose="02040503050406030204" pitchFamily="18" charset="0"/>
+                              </a:rPr>
+                              <m:t>&lt;</m:t>
+                            </m:r>
+                            <m:r>
+                              <a:rPr lang="sl-SI" sz="1800" b="0" i="1" smtClean="0">
+                                <a:latin typeface="Cambria Math" panose="02040503050406030204" pitchFamily="18" charset="0"/>
+                                <a:ea typeface="Cambria Math" panose="02040503050406030204" pitchFamily="18" charset="0"/>
+                              </a:rPr>
+                              <m:t>𝑓</m:t>
+                            </m:r>
+                            <m:d>
+                              <m:dPr>
+                                <m:ctrlPr>
+                                  <a:rPr lang="sl-SI" sz="1800" b="0" i="1" smtClean="0">
+                                    <a:latin typeface="Cambria Math" panose="02040503050406030204" pitchFamily="18" charset="0"/>
+                                    <a:ea typeface="Cambria Math" panose="02040503050406030204" pitchFamily="18" charset="0"/>
+                                  </a:rPr>
+                                </m:ctrlPr>
+                              </m:dPr>
+                              <m:e>
+                                <m:r>
+                                  <a:rPr lang="sl-SI" sz="1800" b="0" i="1" smtClean="0">
+                                    <a:latin typeface="Cambria Math" panose="02040503050406030204" pitchFamily="18" charset="0"/>
+                                    <a:ea typeface="Cambria Math" panose="02040503050406030204" pitchFamily="18" charset="0"/>
+                                  </a:rPr>
+                                  <m:t>𝑥</m:t>
+                                </m:r>
+                              </m:e>
+                            </m:d>
+                            <m:r>
+                              <a:rPr lang="sl-SI" sz="1800" b="0" i="1" smtClean="0">
+                                <a:latin typeface="Cambria Math" panose="02040503050406030204" pitchFamily="18" charset="0"/>
+                                <a:ea typeface="Cambria Math" panose="02040503050406030204" pitchFamily="18" charset="0"/>
+                              </a:rPr>
+                              <m:t>,</m:t>
+                            </m:r>
+                            <m:r>
+                              <a:rPr lang="sl-SI" sz="1800" b="0" i="1" smtClean="0">
+                                <a:latin typeface="Cambria Math" panose="02040503050406030204" pitchFamily="18" charset="0"/>
+                                <a:ea typeface="Cambria Math" panose="02040503050406030204" pitchFamily="18" charset="0"/>
+                              </a:rPr>
+                              <m:t>𝑢</m:t>
+                            </m:r>
+                            <m:r>
+                              <a:rPr lang="sl-SI" sz="1800" b="0" i="1" smtClean="0">
+                                <a:latin typeface="Cambria Math" panose="02040503050406030204" pitchFamily="18" charset="0"/>
+                                <a:ea typeface="Cambria Math" panose="02040503050406030204" pitchFamily="18" charset="0"/>
+                              </a:rPr>
+                              <m:t>&gt;</m:t>
+                            </m:r>
+                          </m:e>
+                        </m:d>
+                        <m:r>
+                          <a:rPr lang="sl-SI" sz="1800" i="1">
+                            <a:latin typeface="Cambria Math" panose="02040503050406030204" pitchFamily="18" charset="0"/>
+                            <a:ea typeface="Cambria Math" panose="02040503050406030204" pitchFamily="18" charset="0"/>
+                          </a:rPr>
+                          <m:t> </m:t>
+                        </m:r>
+                      </m:e>
+                    </m:func>
+                  </m:oMath>
+                </a14:m>
+                <a:br>
+                  <a:rPr lang="sl-SI" sz="1800" dirty="0">
+                    <a:effectLst/>
+                  </a:rPr>
+                </a:br>
+                <a:endParaRPr lang="sl-SI" sz="1800" dirty="0">
+                  <a:effectLst/>
+                </a:endParaRPr>
+              </a:p>
+              <a:p>
+                <a:pPr marL="0" indent="0">
+                  <a:buNone/>
+                </a:pPr>
+                <a:r>
+                  <a:rPr lang="sl-SI" sz="1800" dirty="0">
+                    <a:effectLst/>
+                  </a:rPr>
+                  <a:t>Maksimum je dosežen pri:       </a:t>
+                </a:r>
+                <a14:m>
+                  <m:oMath xmlns:m="http://schemas.openxmlformats.org/officeDocument/2006/math">
+                    <m:sSup>
+                      <m:sSupPr>
+                        <m:ctrlPr>
+                          <a:rPr lang="sl-SI" sz="1800" i="1" smtClean="0">
+                            <a:effectLst/>
+                            <a:latin typeface="Cambria Math" panose="02040503050406030204" pitchFamily="18" charset="0"/>
+                          </a:rPr>
+                        </m:ctrlPr>
+                      </m:sSupPr>
+                      <m:e>
+                        <m:r>
+                          <a:rPr lang="sl-SI" sz="1800" b="0" i="1" smtClean="0">
+                            <a:effectLst/>
+                            <a:latin typeface="Cambria Math" panose="02040503050406030204" pitchFamily="18" charset="0"/>
+                          </a:rPr>
+                          <m:t>𝑢</m:t>
+                        </m:r>
+                      </m:e>
+                      <m:sup>
+                        <m:r>
+                          <a:rPr lang="sl-SI" sz="1800" b="0" i="1" smtClean="0">
+                            <a:effectLst/>
+                            <a:latin typeface="Cambria Math" panose="02040503050406030204" pitchFamily="18" charset="0"/>
+                          </a:rPr>
+                          <m:t>∗</m:t>
+                        </m:r>
+                      </m:sup>
+                    </m:sSup>
+                    <m:box>
+                      <m:boxPr>
+                        <m:ctrlPr>
+                          <a:rPr lang="sl-SI" sz="1800" i="1" smtClean="0">
+                            <a:effectLst/>
+                            <a:latin typeface="Cambria Math" panose="02040503050406030204" pitchFamily="18" charset="0"/>
+                          </a:rPr>
+                        </m:ctrlPr>
+                      </m:boxPr>
+                      <m:e>
+                        <m:r>
+                          <a:rPr lang="sl-SI" sz="1800" i="1" smtClean="0">
+                            <a:effectLst/>
+                            <a:latin typeface="Cambria Math" panose="02040503050406030204" pitchFamily="18" charset="0"/>
+                          </a:rPr>
+                          <m:t>≔</m:t>
+                        </m:r>
+                      </m:e>
+                    </m:box>
+                    <m:r>
+                      <a:rPr lang="sl-SI" sz="1800" b="0" i="1" smtClean="0">
+                        <a:effectLst/>
+                        <a:latin typeface="Cambria Math" panose="02040503050406030204" pitchFamily="18" charset="0"/>
+                      </a:rPr>
+                      <m:t>−</m:t>
+                    </m:r>
+                    <m:f>
+                      <m:fPr>
+                        <m:ctrlPr>
+                          <a:rPr lang="sl-SI" sz="1800" b="0" i="1" smtClean="0">
+                            <a:effectLst/>
+                            <a:latin typeface="Cambria Math" panose="02040503050406030204" pitchFamily="18" charset="0"/>
+                          </a:rPr>
+                        </m:ctrlPr>
+                      </m:fPr>
+                      <m:num>
+                        <m:r>
+                          <m:rPr>
+                            <m:sty m:val="p"/>
+                          </m:rPr>
+                          <a:rPr lang="sl-SI" sz="1800" i="1">
+                            <a:latin typeface="Cambria Math" panose="02040503050406030204" pitchFamily="18" charset="0"/>
+                            <a:ea typeface="Cambria Math" panose="02040503050406030204" pitchFamily="18" charset="0"/>
+                          </a:rPr>
+                          <m:t>∇</m:t>
+                        </m:r>
+                        <m:r>
+                          <a:rPr lang="sl-SI" sz="1800" i="1">
+                            <a:latin typeface="Cambria Math" panose="02040503050406030204" pitchFamily="18" charset="0"/>
+                            <a:ea typeface="Cambria Math" panose="02040503050406030204" pitchFamily="18" charset="0"/>
+                          </a:rPr>
+                          <m:t>𝑓</m:t>
+                        </m:r>
+                        <m:d>
+                          <m:dPr>
+                            <m:ctrlPr>
+                              <a:rPr lang="sl-SI" sz="1800" i="1">
+                                <a:latin typeface="Cambria Math" panose="02040503050406030204" pitchFamily="18" charset="0"/>
+                                <a:ea typeface="Cambria Math" panose="02040503050406030204" pitchFamily="18" charset="0"/>
+                              </a:rPr>
+                            </m:ctrlPr>
+                          </m:dPr>
+                          <m:e>
+                            <m:r>
+                              <a:rPr lang="sl-SI" sz="1800" b="0" i="1" smtClean="0">
+                                <a:latin typeface="Cambria Math" panose="02040503050406030204" pitchFamily="18" charset="0"/>
+                                <a:ea typeface="Cambria Math" panose="02040503050406030204" pitchFamily="18" charset="0"/>
+                              </a:rPr>
+                              <m:t>𝑥</m:t>
+                            </m:r>
+                          </m:e>
+                        </m:d>
+                      </m:num>
+                      <m:den>
+                        <m:r>
+                          <a:rPr lang="sl-SI" sz="1800" b="0" i="1" smtClean="0">
+                            <a:effectLst/>
+                            <a:latin typeface="Cambria Math" panose="02040503050406030204" pitchFamily="18" charset="0"/>
+                          </a:rPr>
+                          <m:t>||</m:t>
+                        </m:r>
+                        <m:r>
+                          <m:rPr>
+                            <m:sty m:val="p"/>
+                          </m:rPr>
+                          <a:rPr lang="sl-SI" sz="1800" i="1">
+                            <a:latin typeface="Cambria Math" panose="02040503050406030204" pitchFamily="18" charset="0"/>
+                            <a:ea typeface="Cambria Math" panose="02040503050406030204" pitchFamily="18" charset="0"/>
+                          </a:rPr>
+                          <m:t>∇</m:t>
+                        </m:r>
+                        <m:r>
+                          <a:rPr lang="sl-SI" sz="1800" i="1">
+                            <a:latin typeface="Cambria Math" panose="02040503050406030204" pitchFamily="18" charset="0"/>
+                            <a:ea typeface="Cambria Math" panose="02040503050406030204" pitchFamily="18" charset="0"/>
+                          </a:rPr>
+                          <m:t>𝑓</m:t>
+                        </m:r>
+                        <m:d>
+                          <m:dPr>
+                            <m:ctrlPr>
+                              <a:rPr lang="sl-SI" sz="1800" i="1">
+                                <a:latin typeface="Cambria Math" panose="02040503050406030204" pitchFamily="18" charset="0"/>
+                                <a:ea typeface="Cambria Math" panose="02040503050406030204" pitchFamily="18" charset="0"/>
+                              </a:rPr>
+                            </m:ctrlPr>
+                          </m:dPr>
+                          <m:e>
+                            <m:r>
+                              <a:rPr lang="sl-SI" sz="1800" b="0" i="1" smtClean="0">
+                                <a:latin typeface="Cambria Math" panose="02040503050406030204" pitchFamily="18" charset="0"/>
+                                <a:ea typeface="Cambria Math" panose="02040503050406030204" pitchFamily="18" charset="0"/>
+                              </a:rPr>
+                              <m:t>𝑥</m:t>
+                            </m:r>
+                          </m:e>
+                        </m:d>
+                        <m:r>
+                          <a:rPr lang="sl-SI" sz="1800" b="0" i="1" smtClean="0">
+                            <a:latin typeface="Cambria Math" panose="02040503050406030204" pitchFamily="18" charset="0"/>
+                            <a:ea typeface="Cambria Math" panose="02040503050406030204" pitchFamily="18" charset="0"/>
+                          </a:rPr>
+                          <m:t>||</m:t>
+                        </m:r>
+                      </m:den>
+                    </m:f>
+                  </m:oMath>
+                </a14:m>
+                <a:br>
+                  <a:rPr lang="sl-SI" sz="1800" dirty="0">
+                    <a:effectLst/>
+                  </a:rPr>
+                </a:br>
+                <a:endParaRPr lang="sl-SI" sz="1800" dirty="0">
+                  <a:effectLst/>
+                </a:endParaRPr>
+              </a:p>
+              <a:p>
+                <a:pPr marL="0" indent="0">
+                  <a:buNone/>
+                </a:pPr>
+                <a:r>
+                  <a:rPr lang="sl-SI" sz="1800" dirty="0">
+                    <a:effectLst/>
+                  </a:rPr>
+                  <a:t>Iz tega sledi, da je naravna diskretizacija sledeča:</a:t>
+                </a:r>
+                <a14:m>
+                  <m:oMath xmlns:m="http://schemas.openxmlformats.org/officeDocument/2006/math">
+                    <m:r>
+                      <a:rPr lang="sl-SI" sz="1800" b="0" i="0" smtClean="0">
+                        <a:effectLst/>
+                        <a:latin typeface="Cambria Math" panose="02040503050406030204" pitchFamily="18" charset="0"/>
+                      </a:rPr>
+                      <m:t>       </m:t>
+                    </m:r>
+                    <m:sSub>
+                      <m:sSubPr>
+                        <m:ctrlPr>
+                          <a:rPr lang="sl-SI" sz="1800" i="1" smtClean="0">
+                            <a:effectLst/>
+                            <a:latin typeface="Cambria Math" panose="02040503050406030204" pitchFamily="18" charset="0"/>
+                          </a:rPr>
+                        </m:ctrlPr>
+                      </m:sSubPr>
+                      <m:e>
+                        <m:r>
+                          <a:rPr lang="sl-SI" sz="1800" b="0" i="1" smtClean="0">
+                            <a:effectLst/>
+                            <a:latin typeface="Cambria Math" panose="02040503050406030204" pitchFamily="18" charset="0"/>
+                          </a:rPr>
+                          <m:t>𝑥</m:t>
+                        </m:r>
+                      </m:e>
+                      <m:sub>
+                        <m:r>
+                          <a:rPr lang="sl-SI" sz="1800" b="0" i="1" smtClean="0">
+                            <a:effectLst/>
+                            <a:latin typeface="Cambria Math" panose="02040503050406030204" pitchFamily="18" charset="0"/>
+                          </a:rPr>
+                          <m:t>𝑡</m:t>
+                        </m:r>
+                        <m:r>
+                          <a:rPr lang="sl-SI" sz="1800" b="0" i="1" smtClean="0">
+                            <a:effectLst/>
+                            <a:latin typeface="Cambria Math" panose="02040503050406030204" pitchFamily="18" charset="0"/>
+                          </a:rPr>
+                          <m:t>+1</m:t>
+                        </m:r>
+                      </m:sub>
+                    </m:sSub>
+                    <m:r>
+                      <a:rPr lang="sl-SI" sz="1800" b="0" i="1" smtClean="0">
+                        <a:effectLst/>
+                        <a:latin typeface="Cambria Math" panose="02040503050406030204" pitchFamily="18" charset="0"/>
+                      </a:rPr>
+                      <m:t>= </m:t>
+                    </m:r>
+                    <m:sSub>
+                      <m:sSubPr>
+                        <m:ctrlPr>
+                          <a:rPr lang="sl-SI" sz="1800" b="0" i="1" smtClean="0">
+                            <a:effectLst/>
+                            <a:latin typeface="Cambria Math" panose="02040503050406030204" pitchFamily="18" charset="0"/>
+                          </a:rPr>
+                        </m:ctrlPr>
+                      </m:sSubPr>
+                      <m:e>
+                        <m:r>
+                          <a:rPr lang="sl-SI" sz="1800" b="0" i="1" smtClean="0">
+                            <a:effectLst/>
+                            <a:latin typeface="Cambria Math" panose="02040503050406030204" pitchFamily="18" charset="0"/>
+                          </a:rPr>
+                          <m:t>𝑥</m:t>
+                        </m:r>
+                      </m:e>
+                      <m:sub>
+                        <m:r>
+                          <a:rPr lang="sl-SI" sz="1800" b="0" i="1" smtClean="0">
+                            <a:effectLst/>
+                            <a:latin typeface="Cambria Math" panose="02040503050406030204" pitchFamily="18" charset="0"/>
+                          </a:rPr>
+                          <m:t>𝑡</m:t>
+                        </m:r>
+                      </m:sub>
+                    </m:sSub>
+                    <m:r>
+                      <a:rPr lang="sl-SI" sz="1800" i="1">
+                        <a:latin typeface="Cambria Math" panose="02040503050406030204" pitchFamily="18" charset="0"/>
+                      </a:rPr>
+                      <m:t>−</m:t>
+                    </m:r>
+                    <m:r>
+                      <a:rPr lang="sl-SI" sz="1800" i="1" smtClean="0">
+                        <a:latin typeface="Cambria Math" panose="02040503050406030204" pitchFamily="18" charset="0"/>
+                        <a:ea typeface="Cambria Math" panose="02040503050406030204" pitchFamily="18" charset="0"/>
+                      </a:rPr>
+                      <m:t>𝛼</m:t>
+                    </m:r>
+                    <m:f>
+                      <m:fPr>
+                        <m:ctrlPr>
+                          <a:rPr lang="sl-SI" sz="1800" i="1">
+                            <a:latin typeface="Cambria Math" panose="02040503050406030204" pitchFamily="18" charset="0"/>
+                          </a:rPr>
+                        </m:ctrlPr>
+                      </m:fPr>
+                      <m:num>
+                        <m:r>
+                          <m:rPr>
+                            <m:sty m:val="p"/>
+                          </m:rPr>
+                          <a:rPr lang="sl-SI" sz="1800" i="1">
+                            <a:latin typeface="Cambria Math" panose="02040503050406030204" pitchFamily="18" charset="0"/>
+                            <a:ea typeface="Cambria Math" panose="02040503050406030204" pitchFamily="18" charset="0"/>
+                          </a:rPr>
+                          <m:t>∇</m:t>
+                        </m:r>
+                        <m:r>
+                          <a:rPr lang="sl-SI" sz="1800" i="1">
+                            <a:latin typeface="Cambria Math" panose="02040503050406030204" pitchFamily="18" charset="0"/>
+                            <a:ea typeface="Cambria Math" panose="02040503050406030204" pitchFamily="18" charset="0"/>
+                          </a:rPr>
+                          <m:t>𝑓</m:t>
+                        </m:r>
+                        <m:d>
+                          <m:dPr>
+                            <m:ctrlPr>
+                              <a:rPr lang="sl-SI" sz="1800" i="1">
+                                <a:latin typeface="Cambria Math" panose="02040503050406030204" pitchFamily="18" charset="0"/>
+                                <a:ea typeface="Cambria Math" panose="02040503050406030204" pitchFamily="18" charset="0"/>
+                              </a:rPr>
+                            </m:ctrlPr>
+                          </m:dPr>
+                          <m:e>
+                            <m:r>
+                              <a:rPr lang="sl-SI" sz="1800" i="1">
+                                <a:latin typeface="Cambria Math" panose="02040503050406030204" pitchFamily="18" charset="0"/>
+                                <a:ea typeface="Cambria Math" panose="02040503050406030204" pitchFamily="18" charset="0"/>
+                              </a:rPr>
+                              <m:t>𝑥</m:t>
+                            </m:r>
+                          </m:e>
+                        </m:d>
+                      </m:num>
+                      <m:den>
+                        <m:r>
+                          <a:rPr lang="sl-SI" sz="1800" i="1">
+                            <a:latin typeface="Cambria Math" panose="02040503050406030204" pitchFamily="18" charset="0"/>
+                          </a:rPr>
+                          <m:t>||</m:t>
+                        </m:r>
+                        <m:r>
+                          <m:rPr>
+                            <m:sty m:val="p"/>
+                          </m:rPr>
+                          <a:rPr lang="sl-SI" sz="1800" i="1">
+                            <a:latin typeface="Cambria Math" panose="02040503050406030204" pitchFamily="18" charset="0"/>
+                            <a:ea typeface="Cambria Math" panose="02040503050406030204" pitchFamily="18" charset="0"/>
+                          </a:rPr>
+                          <m:t>∇</m:t>
+                        </m:r>
+                        <m:r>
+                          <a:rPr lang="sl-SI" sz="1800" i="1">
+                            <a:latin typeface="Cambria Math" panose="02040503050406030204" pitchFamily="18" charset="0"/>
+                            <a:ea typeface="Cambria Math" panose="02040503050406030204" pitchFamily="18" charset="0"/>
+                          </a:rPr>
+                          <m:t>𝑓</m:t>
+                        </m:r>
+                        <m:d>
+                          <m:dPr>
+                            <m:ctrlPr>
+                              <a:rPr lang="sl-SI" sz="1800" i="1">
+                                <a:latin typeface="Cambria Math" panose="02040503050406030204" pitchFamily="18" charset="0"/>
+                                <a:ea typeface="Cambria Math" panose="02040503050406030204" pitchFamily="18" charset="0"/>
+                              </a:rPr>
+                            </m:ctrlPr>
+                          </m:dPr>
+                          <m:e>
+                            <m:r>
+                              <a:rPr lang="sl-SI" sz="1800" i="1">
+                                <a:latin typeface="Cambria Math" panose="02040503050406030204" pitchFamily="18" charset="0"/>
+                                <a:ea typeface="Cambria Math" panose="02040503050406030204" pitchFamily="18" charset="0"/>
+                              </a:rPr>
+                              <m:t>𝑥</m:t>
+                            </m:r>
+                          </m:e>
+                        </m:d>
+                        <m:r>
+                          <a:rPr lang="sl-SI" sz="1800" i="1">
+                            <a:latin typeface="Cambria Math" panose="02040503050406030204" pitchFamily="18" charset="0"/>
+                            <a:ea typeface="Cambria Math" panose="02040503050406030204" pitchFamily="18" charset="0"/>
+                          </a:rPr>
+                          <m:t>||</m:t>
+                        </m:r>
+                      </m:den>
+                    </m:f>
+                  </m:oMath>
+                </a14:m>
+                <a:endParaRPr lang="sl-SI" sz="1800" dirty="0">
+                  <a:effectLst/>
+                </a:endParaRPr>
+              </a:p>
+              <a:p>
+                <a:pPr marL="0" indent="0">
+                  <a:buNone/>
+                </a:pPr>
+                <a:r>
+                  <a:rPr lang="sl-SI" sz="1800" dirty="0"/>
+                  <a:t>Iz tega sledi enačba:</a:t>
+                </a:r>
+                <a:endParaRPr lang="sl-SI" sz="1800" dirty="0">
+                  <a:effectLst/>
+                </a:endParaRPr>
+              </a:p>
+              <a:p>
+                <a:pPr marL="0" indent="0">
+                  <a:buNone/>
+                </a:pPr>
+                <a:endParaRPr lang="sl-SI" sz="1800" dirty="0"/>
+              </a:p>
+              <a:p>
+                <a:pPr marL="0" indent="0" algn="ctr">
+                  <a:buNone/>
+                </a:pPr>
+                <a:endParaRPr lang="sl-SI" sz="1800" dirty="0">
+                  <a:ea typeface="Cambria Math" panose="02040503050406030204" pitchFamily="18" charset="0"/>
+                </a:endParaRPr>
+              </a:p>
+              <a:p>
+                <a:pPr marL="0" indent="0">
+                  <a:buNone/>
+                </a:pPr>
+                <a:br>
+                  <a:rPr lang="sl-SI" sz="1600" dirty="0">
+                    <a:effectLst/>
+                  </a:rPr>
+                </a:br>
+                <a:endParaRPr lang="sl-SI" sz="1600" dirty="0"/>
+              </a:p>
+            </p:txBody>
+          </p:sp>
+        </mc:Choice>
+        <mc:Fallback>
+          <p:sp>
+            <p:nvSpPr>
+              <p:cNvPr id="3" name="Označba mesta vsebine 2">
+                <a:extLst>
+                  <a:ext uri="{FF2B5EF4-FFF2-40B4-BE49-F238E27FC236}">
+                    <a16:creationId xmlns:a16="http://schemas.microsoft.com/office/drawing/2014/main" id="{1497A39A-A63B-37AB-1ECB-D0934C1827A1}"/>
+                  </a:ext>
+                </a:extLst>
+              </p:cNvPr>
+              <p:cNvSpPr>
+                <a:spLocks noGrp="1" noRot="1" noChangeAspect="1" noMove="1" noResize="1" noEditPoints="1" noAdjustHandles="1" noChangeArrowheads="1" noChangeShapeType="1" noTextEdit="1"/>
+              </p:cNvSpPr>
+              <p:nvPr>
+                <p:ph idx="1"/>
+              </p:nvPr>
+            </p:nvSpPr>
+            <p:spPr>
+              <a:xfrm>
+                <a:off x="1347537" y="1428750"/>
+                <a:ext cx="9601200" cy="4415118"/>
+              </a:xfrm>
+              <a:blipFill>
+                <a:blip r:embed="rId2"/>
+                <a:stretch>
+                  <a:fillRect l="-508" t="-966" b="-5517"/>
+                </a:stretch>
+              </a:blipFill>
+            </p:spPr>
+            <p:txBody>
+              <a:bodyPr/>
+              <a:lstStyle/>
+              <a:p>
+                <a:r>
+                  <a:rPr lang="sl-SI">
+                    <a:noFill/>
+                  </a:rPr>
+                  <a:t> </a:t>
+                </a:r>
+              </a:p>
+            </p:txBody>
+          </p:sp>
+        </mc:Fallback>
+      </mc:AlternateContent>
+      <mc:AlternateContent xmlns:mc="http://schemas.openxmlformats.org/markup-compatibility/2006">
+        <mc:Choice xmlns:a14="http://schemas.microsoft.com/office/drawing/2010/main" Requires="a14">
+          <p:sp>
+            <p:nvSpPr>
+              <p:cNvPr id="5" name="PoljeZBesedilom 4">
+                <a:extLst>
+                  <a:ext uri="{FF2B5EF4-FFF2-40B4-BE49-F238E27FC236}">
+                    <a16:creationId xmlns:a16="http://schemas.microsoft.com/office/drawing/2014/main" id="{27982D88-1007-6CD7-1C1A-9887D3B54AB9}"/>
+                  </a:ext>
+                </a:extLst>
+              </p:cNvPr>
+              <p:cNvSpPr txBox="1"/>
+              <p:nvPr/>
+            </p:nvSpPr>
+            <p:spPr>
+              <a:xfrm>
+                <a:off x="4428565" y="5987534"/>
+                <a:ext cx="2850776" cy="400110"/>
+              </a:xfrm>
+              <a:prstGeom prst="rect">
+                <a:avLst/>
+              </a:prstGeom>
+              <a:noFill/>
+              <a:ln w="38100">
+                <a:solidFill>
+                  <a:srgbClr val="FF0000"/>
+                </a:solidFill>
+              </a:ln>
+            </p:spPr>
+            <p:txBody>
+              <a:bodyPr wrap="square" rtlCol="0">
+                <a:spAutoFit/>
+              </a:bodyPr>
+              <a:lstStyle/>
+              <a:p>
+                <a:pPr algn="ctr"/>
+                <a14:m>
+                  <m:oMath xmlns:m="http://schemas.openxmlformats.org/officeDocument/2006/math">
+                    <m:sSub>
+                      <m:sSubPr>
+                        <m:ctrlPr>
+                          <a:rPr lang="sl-SI" sz="2000" i="1" smtClean="0">
+                            <a:effectLst/>
+                            <a:latin typeface="Cambria Math" panose="02040503050406030204" pitchFamily="18" charset="0"/>
+                          </a:rPr>
+                        </m:ctrlPr>
+                      </m:sSubPr>
+                      <m:e>
+                        <m:r>
+                          <a:rPr lang="sl-SI" sz="2000" b="0" i="1" smtClean="0">
+                            <a:effectLst/>
+                            <a:latin typeface="Cambria Math" panose="02040503050406030204" pitchFamily="18" charset="0"/>
+                          </a:rPr>
+                          <m:t>𝑥</m:t>
+                        </m:r>
+                      </m:e>
+                      <m:sub>
+                        <m:r>
+                          <a:rPr lang="sl-SI" sz="2000" b="0" i="1" smtClean="0">
+                            <a:effectLst/>
+                            <a:latin typeface="Cambria Math" panose="02040503050406030204" pitchFamily="18" charset="0"/>
+                          </a:rPr>
+                          <m:t>𝑡</m:t>
+                        </m:r>
+                        <m:r>
+                          <a:rPr lang="sl-SI" sz="2000" b="0" i="1" smtClean="0">
+                            <a:effectLst/>
+                            <a:latin typeface="Cambria Math" panose="02040503050406030204" pitchFamily="18" charset="0"/>
+                          </a:rPr>
+                          <m:t>+1</m:t>
+                        </m:r>
+                      </m:sub>
+                    </m:sSub>
+                    <m:r>
+                      <a:rPr lang="sl-SI" sz="2000" b="0" i="1" smtClean="0">
+                        <a:effectLst/>
+                        <a:latin typeface="Cambria Math" panose="02040503050406030204" pitchFamily="18" charset="0"/>
+                      </a:rPr>
+                      <m:t>= </m:t>
+                    </m:r>
+                    <m:sSub>
+                      <m:sSubPr>
+                        <m:ctrlPr>
+                          <a:rPr lang="sl-SI" sz="2000" b="0" i="1" smtClean="0">
+                            <a:effectLst/>
+                            <a:latin typeface="Cambria Math" panose="02040503050406030204" pitchFamily="18" charset="0"/>
+                          </a:rPr>
+                        </m:ctrlPr>
+                      </m:sSubPr>
+                      <m:e>
+                        <m:r>
+                          <a:rPr lang="sl-SI" sz="2000" b="0" i="1" smtClean="0">
+                            <a:effectLst/>
+                            <a:latin typeface="Cambria Math" panose="02040503050406030204" pitchFamily="18" charset="0"/>
+                          </a:rPr>
+                          <m:t>𝑥</m:t>
+                        </m:r>
+                      </m:e>
+                      <m:sub>
+                        <m:r>
+                          <a:rPr lang="sl-SI" sz="2000" b="0" i="1" smtClean="0">
+                            <a:effectLst/>
+                            <a:latin typeface="Cambria Math" panose="02040503050406030204" pitchFamily="18" charset="0"/>
+                          </a:rPr>
+                          <m:t>𝑡</m:t>
+                        </m:r>
+                      </m:sub>
+                    </m:sSub>
+                    <m:r>
+                      <a:rPr lang="sl-SI" sz="2000" i="1">
+                        <a:latin typeface="Cambria Math" panose="02040503050406030204" pitchFamily="18" charset="0"/>
+                      </a:rPr>
+                      <m:t>−</m:t>
+                    </m:r>
+                    <m:r>
+                      <m:rPr>
+                        <m:sty m:val="p"/>
+                      </m:rPr>
+                      <a:rPr lang="el-GR" sz="2000" i="1" smtClean="0">
+                        <a:latin typeface="Cambria Math" panose="02040503050406030204" pitchFamily="18" charset="0"/>
+                      </a:rPr>
+                      <m:t>η</m:t>
+                    </m:r>
+                  </m:oMath>
+                </a14:m>
+                <a:r>
+                  <a:rPr lang="sl-SI" sz="2000" dirty="0">
+                    <a:ea typeface="Cambria Math" panose="02040503050406030204" pitchFamily="18" charset="0"/>
+                  </a:rPr>
+                  <a:t> </a:t>
+                </a:r>
+                <a14:m>
+                  <m:oMath xmlns:m="http://schemas.openxmlformats.org/officeDocument/2006/math">
+                    <m:r>
+                      <m:rPr>
+                        <m:sty m:val="p"/>
+                      </m:rPr>
+                      <a:rPr lang="sl-SI" sz="2000" i="1">
+                        <a:latin typeface="Cambria Math" panose="02040503050406030204" pitchFamily="18" charset="0"/>
+                        <a:ea typeface="Cambria Math" panose="02040503050406030204" pitchFamily="18" charset="0"/>
+                      </a:rPr>
+                      <m:t>∇</m:t>
+                    </m:r>
+                    <m:r>
+                      <a:rPr lang="sl-SI" sz="2000" i="1">
+                        <a:latin typeface="Cambria Math" panose="02040503050406030204" pitchFamily="18" charset="0"/>
+                        <a:ea typeface="Cambria Math" panose="02040503050406030204" pitchFamily="18" charset="0"/>
+                      </a:rPr>
+                      <m:t>𝑓</m:t>
+                    </m:r>
+                    <m:d>
+                      <m:dPr>
+                        <m:ctrlPr>
+                          <a:rPr lang="sl-SI" sz="2000" i="1">
+                            <a:latin typeface="Cambria Math" panose="02040503050406030204" pitchFamily="18" charset="0"/>
+                            <a:ea typeface="Cambria Math" panose="02040503050406030204" pitchFamily="18" charset="0"/>
+                          </a:rPr>
+                        </m:ctrlPr>
+                      </m:dPr>
+                      <m:e>
+                        <m:r>
+                          <a:rPr lang="sl-SI" sz="2000" i="1">
+                            <a:latin typeface="Cambria Math" panose="02040503050406030204" pitchFamily="18" charset="0"/>
+                            <a:ea typeface="Cambria Math" panose="02040503050406030204" pitchFamily="18" charset="0"/>
+                          </a:rPr>
+                          <m:t>𝑥</m:t>
+                        </m:r>
+                      </m:e>
+                    </m:d>
+                  </m:oMath>
+                </a14:m>
+                <a:endParaRPr lang="sl-SI" sz="2000" dirty="0"/>
+              </a:p>
+            </p:txBody>
+          </p:sp>
+        </mc:Choice>
+        <mc:Fallback>
+          <p:sp>
+            <p:nvSpPr>
+              <p:cNvPr id="5" name="PoljeZBesedilom 4">
+                <a:extLst>
+                  <a:ext uri="{FF2B5EF4-FFF2-40B4-BE49-F238E27FC236}">
+                    <a16:creationId xmlns:a16="http://schemas.microsoft.com/office/drawing/2014/main" id="{27982D88-1007-6CD7-1C1A-9887D3B54AB9}"/>
+                  </a:ext>
+                </a:extLst>
+              </p:cNvPr>
+              <p:cNvSpPr txBox="1">
+                <a:spLocks noRot="1" noChangeAspect="1" noMove="1" noResize="1" noEditPoints="1" noAdjustHandles="1" noChangeArrowheads="1" noChangeShapeType="1" noTextEdit="1"/>
+              </p:cNvSpPr>
+              <p:nvPr/>
+            </p:nvSpPr>
+            <p:spPr>
+              <a:xfrm>
+                <a:off x="4428565" y="5987534"/>
+                <a:ext cx="2850776" cy="400110"/>
+              </a:xfrm>
+              <a:prstGeom prst="rect">
+                <a:avLst/>
+              </a:prstGeom>
+              <a:blipFill>
+                <a:blip r:embed="rId3"/>
+                <a:stretch>
+                  <a:fillRect b="-9722"/>
+                </a:stretch>
+              </a:blipFill>
+              <a:ln w="38100">
+                <a:solidFill>
+                  <a:srgbClr val="FF0000"/>
+                </a:solidFill>
+              </a:ln>
+            </p:spPr>
+            <p:txBody>
+              <a:bodyPr/>
+              <a:lstStyle/>
+              <a:p>
+                <a:r>
+                  <a:rPr lang="sl-SI">
+                    <a:noFill/>
+                  </a:rPr>
+                  <a:t> </a:t>
+                </a:r>
+              </a:p>
+            </p:txBody>
+          </p:sp>
+        </mc:Fallback>
+      </mc:AlternateContent>
     </p:spTree>
     <p:extLst>
       <p:ext uri="{BB962C8B-B14F-4D97-AF65-F5344CB8AC3E}">
@@ -8705,8 +10086,8 @@
           </a:xfrm>
         </p:spPr>
       </p:pic>
-      <mc:AlternateContent xmlns:mc="http://schemas.openxmlformats.org/markup-compatibility/2006">
-        <mc:Choice xmlns:a14="http://schemas.microsoft.com/office/drawing/2010/main" Requires="a14">
+      <mc:AlternateContent xmlns:mc="http://schemas.openxmlformats.org/markup-compatibility/2006" xmlns:a14="http://schemas.microsoft.com/office/drawing/2010/main">
+        <mc:Choice Requires="a14">
           <p:sp>
             <p:nvSpPr>
               <p:cNvPr id="7" name="PoljeZBesedilom 6">
@@ -8815,7 +10196,7 @@
             </p:txBody>
           </p:sp>
         </mc:Choice>
-        <mc:Fallback>
+        <mc:Fallback xmlns="">
           <p:sp>
             <p:nvSpPr>
               <p:cNvPr id="7" name="PoljeZBesedilom 6">
@@ -9601,8 +10982,8 @@
           </a:prstGeom>
         </p:spPr>
       </p:pic>
-      <mc:AlternateContent xmlns:mc="http://schemas.openxmlformats.org/markup-compatibility/2006">
-        <mc:Choice xmlns:a14="http://schemas.microsoft.com/office/drawing/2010/main" Requires="a14">
+      <mc:AlternateContent xmlns:mc="http://schemas.openxmlformats.org/markup-compatibility/2006" xmlns:a14="http://schemas.microsoft.com/office/drawing/2010/main">
+        <mc:Choice Requires="a14">
           <p:sp>
             <p:nvSpPr>
               <p:cNvPr id="10" name="PoljeZBesedilom 9">
@@ -9750,7 +11131,7 @@
             </p:txBody>
           </p:sp>
         </mc:Choice>
-        <mc:Fallback>
+        <mc:Fallback xmlns="">
           <p:sp>
             <p:nvSpPr>
               <p:cNvPr id="10" name="PoljeZBesedilom 9">

--- a/predstavitev.pptx
+++ b/predstavitev.pptx
@@ -7088,8 +7088,8 @@
           </a:p>
         </p:txBody>
       </p:sp>
-      <mc:AlternateContent xmlns:mc="http://schemas.openxmlformats.org/markup-compatibility/2006" xmlns:a14="http://schemas.microsoft.com/office/drawing/2010/main">
-        <mc:Choice Requires="a14">
+      <mc:AlternateContent xmlns:mc="http://schemas.openxmlformats.org/markup-compatibility/2006">
+        <mc:Choice xmlns:a14="http://schemas.microsoft.com/office/drawing/2010/main" Requires="a14">
           <p:sp>
             <p:nvSpPr>
               <p:cNvPr id="3" name="Označba mesta vsebine 2">
@@ -7145,7 +7145,7 @@
                   <a:rPr lang="sl-SI" sz="1800" dirty="0">
                     <a:effectLst/>
                   </a:rPr>
-                  <a:t> Algoritem, kot sem že omenila, je primeren samo za konveksne in </a:t>
+                  <a:t>Algoritem, kot sem že omenila, je primeren samo za konveksne in </a:t>
                 </a:r>
                 <a:r>
                   <a:rPr lang="sl-SI" sz="1800" dirty="0" err="1">
@@ -7173,150 +7173,163 @@
                 </a:r>
               </a:p>
               <a:p>
-                <a:pPr algn="ctr">
+                <a:pPr>
                   <a:buFont typeface="Arial" panose="020B0604020202020204" pitchFamily="34" charset="0"/>
                   <a:buChar char="•"/>
                 </a:pPr>
+                <a:endParaRPr lang="sl-SI" sz="1800" dirty="0">
+                  <a:effectLst/>
+                </a:endParaRPr>
+              </a:p>
+              <a:p>
+                <a:pPr marL="0" indent="0" algn="ctr">
+                  <a:buNone/>
+                </a:pPr>
                 <a14:m>
-                  <m:oMath xmlns:m="http://schemas.openxmlformats.org/officeDocument/2006/math">
-                    <m:sSub>
-                      <m:sSubPr>
-                        <m:ctrlPr>
-                          <a:rPr lang="sl-SI" sz="1800" i="1" smtClean="0">
-                            <a:effectLst/>
-                            <a:latin typeface="Cambria Math" panose="02040503050406030204" pitchFamily="18" charset="0"/>
-                          </a:rPr>
-                        </m:ctrlPr>
-                      </m:sSubPr>
-                      <m:e>
-                        <m:r>
-                          <a:rPr lang="sl-SI" sz="1800" b="0" i="1" smtClean="0">
-                            <a:effectLst/>
-                            <a:latin typeface="Cambria Math" panose="02040503050406030204" pitchFamily="18" charset="0"/>
-                          </a:rPr>
-                          <m:t>𝑥</m:t>
-                        </m:r>
-                      </m:e>
-                      <m:sub>
-                        <m:r>
-                          <a:rPr lang="sl-SI" sz="1800" b="0" i="1" smtClean="0">
-                            <a:effectLst/>
-                            <a:latin typeface="Cambria Math" panose="02040503050406030204" pitchFamily="18" charset="0"/>
-                          </a:rPr>
-                          <m:t>𝑡</m:t>
-                        </m:r>
-                        <m:r>
-                          <a:rPr lang="sl-SI" sz="1800" b="0" i="1" smtClean="0">
-                            <a:effectLst/>
-                            <a:latin typeface="Cambria Math" panose="02040503050406030204" pitchFamily="18" charset="0"/>
-                          </a:rPr>
-                          <m:t>+1</m:t>
-                        </m:r>
-                      </m:sub>
-                    </m:sSub>
-                    <m:r>
-                      <a:rPr lang="sl-SI" sz="1800" b="0" i="1" smtClean="0">
-                        <a:effectLst/>
-                        <a:latin typeface="Cambria Math" panose="02040503050406030204" pitchFamily="18" charset="0"/>
-                      </a:rPr>
-                      <m:t>= </m:t>
-                    </m:r>
-                    <m:sSub>
-                      <m:sSubPr>
-                        <m:ctrlPr>
-                          <a:rPr lang="sl-SI" sz="1800" b="0" i="1" smtClean="0">
-                            <a:effectLst/>
-                            <a:latin typeface="Cambria Math" panose="02040503050406030204" pitchFamily="18" charset="0"/>
-                          </a:rPr>
-                        </m:ctrlPr>
-                      </m:sSubPr>
-                      <m:e>
-                        <m:r>
-                          <m:rPr>
-                            <m:sty m:val="p"/>
-                          </m:rPr>
-                          <a:rPr lang="el-GR" sz="1800" i="1">
-                            <a:latin typeface="Cambria Math" panose="02040503050406030204" pitchFamily="18" charset="0"/>
-                            <a:ea typeface="Cambria Math" panose="02040503050406030204" pitchFamily="18" charset="0"/>
-                          </a:rPr>
-                          <m:t>λ</m:t>
-                        </m:r>
-                        <m:r>
-                          <a:rPr lang="sl-SI" sz="1800" b="0" i="1" smtClean="0">
-                            <a:effectLst/>
-                            <a:latin typeface="Cambria Math" panose="02040503050406030204" pitchFamily="18" charset="0"/>
-                          </a:rPr>
-                          <m:t>𝑥</m:t>
-                        </m:r>
-                      </m:e>
-                      <m:sub>
-                        <m:r>
-                          <a:rPr lang="sl-SI" sz="1800" b="0" i="1" smtClean="0">
-                            <a:effectLst/>
-                            <a:latin typeface="Cambria Math" panose="02040503050406030204" pitchFamily="18" charset="0"/>
-                          </a:rPr>
-                          <m:t>𝑡</m:t>
-                        </m:r>
-                      </m:sub>
-                    </m:sSub>
-                    <m:r>
-                      <a:rPr lang="sl-SI" sz="1800" b="0" i="1" smtClean="0">
-                        <a:effectLst/>
-                        <a:latin typeface="Cambria Math" panose="02040503050406030204" pitchFamily="18" charset="0"/>
-                      </a:rPr>
-                      <m:t>−</m:t>
-                    </m:r>
-                    <m:r>
-                      <m:rPr>
-                        <m:sty m:val="p"/>
-                      </m:rPr>
-                      <a:rPr lang="el-GR" sz="1800" b="0" i="1" smtClean="0">
-                        <a:effectLst/>
-                        <a:latin typeface="Cambria Math" panose="02040503050406030204" pitchFamily="18" charset="0"/>
-                      </a:rPr>
-                      <m:t>η</m:t>
-                    </m:r>
-                    <m:r>
-                      <m:rPr>
-                        <m:sty m:val="p"/>
-                      </m:rPr>
-                      <a:rPr lang="sl-SI" sz="1800" b="0" i="1" smtClean="0">
-                        <a:effectLst/>
-                        <a:latin typeface="Cambria Math" panose="02040503050406030204" pitchFamily="18" charset="0"/>
-                        <a:ea typeface="Cambria Math" panose="02040503050406030204" pitchFamily="18" charset="0"/>
-                      </a:rPr>
-                      <m:t>∇</m:t>
-                    </m:r>
-                    <m:r>
-                      <a:rPr lang="sl-SI" sz="1800" b="0" i="1" smtClean="0">
-                        <a:effectLst/>
-                        <a:latin typeface="Cambria Math" panose="02040503050406030204" pitchFamily="18" charset="0"/>
-                        <a:ea typeface="Cambria Math" panose="02040503050406030204" pitchFamily="18" charset="0"/>
-                      </a:rPr>
-                      <m:t>𝑓</m:t>
-                    </m:r>
-                    <m:d>
-                      <m:dPr>
-                        <m:ctrlPr>
-                          <a:rPr lang="sl-SI" sz="1800" b="0" i="1" smtClean="0">
-                            <a:effectLst/>
-                            <a:latin typeface="Cambria Math" panose="02040503050406030204" pitchFamily="18" charset="0"/>
-                            <a:ea typeface="Cambria Math" panose="02040503050406030204" pitchFamily="18" charset="0"/>
-                          </a:rPr>
-                        </m:ctrlPr>
-                      </m:dPr>
-                      <m:e>
-                        <m:r>
-                          <a:rPr lang="sl-SI" sz="1800" b="0" i="1" smtClean="0">
-                            <a:effectLst/>
-                            <a:latin typeface="Cambria Math" panose="02040503050406030204" pitchFamily="18" charset="0"/>
-                            <a:ea typeface="Cambria Math" panose="02040503050406030204" pitchFamily="18" charset="0"/>
-                          </a:rPr>
-                          <m:t>𝑥</m:t>
-                        </m:r>
-                      </m:e>
-                    </m:d>
-                  </m:oMath>
+                  <m:oMathPara xmlns:m="http://schemas.openxmlformats.org/officeDocument/2006/math">
+                    <m:oMathParaPr>
+                      <m:jc m:val="centerGroup"/>
+                    </m:oMathParaPr>
+                    <m:oMath xmlns:m="http://schemas.openxmlformats.org/officeDocument/2006/math">
+                      <m:sSub>
+                        <m:sSubPr>
+                          <m:ctrlPr>
+                            <a:rPr lang="sl-SI" sz="1800" i="1" smtClean="0">
+                              <a:effectLst/>
+                              <a:latin typeface="Cambria Math" panose="02040503050406030204" pitchFamily="18" charset="0"/>
+                            </a:rPr>
+                          </m:ctrlPr>
+                        </m:sSubPr>
+                        <m:e>
+                          <m:r>
+                            <a:rPr lang="sl-SI" sz="1800" b="0" i="1" smtClean="0">
+                              <a:effectLst/>
+                              <a:latin typeface="Cambria Math" panose="02040503050406030204" pitchFamily="18" charset="0"/>
+                            </a:rPr>
+                            <m:t>𝑥</m:t>
+                          </m:r>
+                        </m:e>
+                        <m:sub>
+                          <m:r>
+                            <a:rPr lang="sl-SI" sz="1800" b="0" i="1" smtClean="0">
+                              <a:effectLst/>
+                              <a:latin typeface="Cambria Math" panose="02040503050406030204" pitchFamily="18" charset="0"/>
+                            </a:rPr>
+                            <m:t>𝑡</m:t>
+                          </m:r>
+                          <m:r>
+                            <a:rPr lang="sl-SI" sz="1800" b="0" i="1" smtClean="0">
+                              <a:effectLst/>
+                              <a:latin typeface="Cambria Math" panose="02040503050406030204" pitchFamily="18" charset="0"/>
+                            </a:rPr>
+                            <m:t>+1</m:t>
+                          </m:r>
+                        </m:sub>
+                      </m:sSub>
+                      <m:r>
+                        <a:rPr lang="sl-SI" sz="1800" b="0" i="1" smtClean="0">
+                          <a:effectLst/>
+                          <a:latin typeface="Cambria Math" panose="02040503050406030204" pitchFamily="18" charset="0"/>
+                        </a:rPr>
+                        <m:t>= </m:t>
+                      </m:r>
+                      <m:sSub>
+                        <m:sSubPr>
+                          <m:ctrlPr>
+                            <a:rPr lang="sl-SI" sz="1800" b="0" i="1" smtClean="0">
+                              <a:effectLst/>
+                              <a:latin typeface="Cambria Math" panose="02040503050406030204" pitchFamily="18" charset="0"/>
+                            </a:rPr>
+                          </m:ctrlPr>
+                        </m:sSubPr>
+                        <m:e>
+                          <m:r>
+                            <m:rPr>
+                              <m:sty m:val="p"/>
+                            </m:rPr>
+                            <a:rPr lang="el-GR" sz="1800" i="1">
+                              <a:latin typeface="Cambria Math" panose="02040503050406030204" pitchFamily="18" charset="0"/>
+                              <a:ea typeface="Cambria Math" panose="02040503050406030204" pitchFamily="18" charset="0"/>
+                            </a:rPr>
+                            <m:t>λ</m:t>
+                          </m:r>
+                          <m:r>
+                            <a:rPr lang="sl-SI" sz="1800" b="0" i="1" smtClean="0">
+                              <a:effectLst/>
+                              <a:latin typeface="Cambria Math" panose="02040503050406030204" pitchFamily="18" charset="0"/>
+                            </a:rPr>
+                            <m:t>𝑥</m:t>
+                          </m:r>
+                        </m:e>
+                        <m:sub>
+                          <m:r>
+                            <a:rPr lang="sl-SI" sz="1800" b="0" i="1" smtClean="0">
+                              <a:effectLst/>
+                              <a:latin typeface="Cambria Math" panose="02040503050406030204" pitchFamily="18" charset="0"/>
+                            </a:rPr>
+                            <m:t>𝑡</m:t>
+                          </m:r>
+                        </m:sub>
+                      </m:sSub>
+                      <m:r>
+                        <a:rPr lang="sl-SI" sz="1800" b="0" i="1" smtClean="0">
+                          <a:effectLst/>
+                          <a:latin typeface="Cambria Math" panose="02040503050406030204" pitchFamily="18" charset="0"/>
+                        </a:rPr>
+                        <m:t>−</m:t>
+                      </m:r>
+                      <m:r>
+                        <m:rPr>
+                          <m:sty m:val="p"/>
+                        </m:rPr>
+                        <a:rPr lang="el-GR" sz="1800" b="0" i="1" smtClean="0">
+                          <a:effectLst/>
+                          <a:latin typeface="Cambria Math" panose="02040503050406030204" pitchFamily="18" charset="0"/>
+                        </a:rPr>
+                        <m:t>η</m:t>
+                      </m:r>
+                      <m:r>
+                        <m:rPr>
+                          <m:sty m:val="p"/>
+                        </m:rPr>
+                        <a:rPr lang="sl-SI" sz="1800" b="0" i="1" smtClean="0">
+                          <a:effectLst/>
+                          <a:latin typeface="Cambria Math" panose="02040503050406030204" pitchFamily="18" charset="0"/>
+                          <a:ea typeface="Cambria Math" panose="02040503050406030204" pitchFamily="18" charset="0"/>
+                        </a:rPr>
+                        <m:t>∇</m:t>
+                      </m:r>
+                      <m:r>
+                        <a:rPr lang="sl-SI" sz="1800" b="0" i="1" smtClean="0">
+                          <a:effectLst/>
+                          <a:latin typeface="Cambria Math" panose="02040503050406030204" pitchFamily="18" charset="0"/>
+                          <a:ea typeface="Cambria Math" panose="02040503050406030204" pitchFamily="18" charset="0"/>
+                        </a:rPr>
+                        <m:t>𝑓</m:t>
+                      </m:r>
+                      <m:d>
+                        <m:dPr>
+                          <m:ctrlPr>
+                            <a:rPr lang="sl-SI" sz="1800" b="0" i="1" smtClean="0">
+                              <a:effectLst/>
+                              <a:latin typeface="Cambria Math" panose="02040503050406030204" pitchFamily="18" charset="0"/>
+                              <a:ea typeface="Cambria Math" panose="02040503050406030204" pitchFamily="18" charset="0"/>
+                            </a:rPr>
+                          </m:ctrlPr>
+                        </m:dPr>
+                        <m:e>
+                          <m:r>
+                            <a:rPr lang="sl-SI" sz="1800" b="0" i="1" smtClean="0">
+                              <a:effectLst/>
+                              <a:latin typeface="Cambria Math" panose="02040503050406030204" pitchFamily="18" charset="0"/>
+                              <a:ea typeface="Cambria Math" panose="02040503050406030204" pitchFamily="18" charset="0"/>
+                            </a:rPr>
+                            <m:t>𝑥</m:t>
+                          </m:r>
+                        </m:e>
+                      </m:d>
+                    </m:oMath>
+                  </m:oMathPara>
                 </a14:m>
                 <a:endParaRPr lang="sl-SI" sz="1800" dirty="0">
                   <a:ea typeface="Cambria Math" panose="02040503050406030204" pitchFamily="18" charset="0"/>
@@ -7353,7 +7366,7 @@
             </p:txBody>
           </p:sp>
         </mc:Choice>
-        <mc:Fallback xmlns="">
+        <mc:Fallback>
           <p:sp>
             <p:nvSpPr>
               <p:cNvPr id="3" name="Označba mesta vsebine 2">
@@ -7374,7 +7387,7 @@
               <a:blipFill>
                 <a:blip r:embed="rId2"/>
                 <a:stretch>
-                  <a:fillRect l="-381" t="-1190" b="-2721"/>
+                  <a:fillRect l="-381" t="-1190" r="-508" b="-10714"/>
                 </a:stretch>
               </a:blipFill>
             </p:spPr>
@@ -7742,6 +7755,109 @@
               </a:rPr>
               <a:t>. Pridobljeno 24. 4. 2022 iz </a:t>
             </a:r>
+          </a:p>
+          <a:p>
+            <a:pPr marL="987552" lvl="2" indent="0">
+              <a:buNone/>
+            </a:pPr>
+            <a:r>
+              <a:rPr lang="sl-SI" dirty="0">
+                <a:solidFill>
+                  <a:srgbClr val="0070C0"/>
+                </a:solidFill>
+                <a:effectLst/>
+                <a:hlinkClick r:id="rId2"/>
+              </a:rPr>
+              <a:t>https://convex-optimization.github.io/</a:t>
+            </a:r>
+            <a:r>
+              <a:rPr lang="sl-SI" dirty="0">
+                <a:effectLst/>
+              </a:rPr>
+              <a:t>.</a:t>
+            </a:r>
+          </a:p>
+          <a:p>
+            <a:pPr marL="987552" lvl="2" indent="0">
+              <a:buNone/>
+            </a:pPr>
+            <a:endParaRPr lang="sl-SI" dirty="0">
+              <a:effectLst/>
+            </a:endParaRPr>
+          </a:p>
+          <a:p>
+            <a:r>
+              <a:rPr lang="sl-SI" dirty="0">
+                <a:effectLst/>
+              </a:rPr>
+              <a:t>Robert </a:t>
+            </a:r>
+            <a:r>
+              <a:rPr lang="sl-SI" dirty="0" err="1">
+                <a:effectLst/>
+              </a:rPr>
+              <a:t>Kwiatkowski</a:t>
+            </a:r>
+            <a:r>
+              <a:rPr lang="sl-SI" dirty="0">
+                <a:effectLst/>
+              </a:rPr>
+              <a:t> (2021) </a:t>
+            </a:r>
+            <a:r>
+              <a:rPr lang="sl-SI" i="1" dirty="0">
+                <a:effectLst/>
+              </a:rPr>
+              <a:t>Gradient </a:t>
+            </a:r>
+            <a:r>
+              <a:rPr lang="sl-SI" i="1" dirty="0" err="1">
+                <a:effectLst/>
+              </a:rPr>
+              <a:t>Descent</a:t>
+            </a:r>
+            <a:r>
+              <a:rPr lang="sl-SI" i="1" dirty="0">
+                <a:effectLst/>
+              </a:rPr>
+              <a:t> </a:t>
+            </a:r>
+            <a:r>
+              <a:rPr lang="sl-SI" i="1" dirty="0" err="1">
+                <a:effectLst/>
+              </a:rPr>
+              <a:t>Algorithm</a:t>
+            </a:r>
+            <a:r>
+              <a:rPr lang="sl-SI" i="1" dirty="0">
+                <a:effectLst/>
+              </a:rPr>
+              <a:t> — a </a:t>
+            </a:r>
+            <a:r>
+              <a:rPr lang="sl-SI" i="1" dirty="0" err="1">
+                <a:effectLst/>
+              </a:rPr>
+              <a:t>deep</a:t>
+            </a:r>
+            <a:r>
+              <a:rPr lang="sl-SI" i="1" dirty="0">
+                <a:effectLst/>
+              </a:rPr>
+              <a:t> dive</a:t>
+            </a:r>
+            <a:r>
+              <a:rPr lang="sl-SI" dirty="0">
+                <a:effectLst/>
+              </a:rPr>
+              <a:t>. Pridobljeno 30. 4. 2022 iz </a:t>
+            </a:r>
+            <a:endParaRPr lang="sl-SI" dirty="0"/>
+          </a:p>
+          <a:p>
+            <a:pPr marL="987552" lvl="2" indent="0">
+              <a:buNone/>
+            </a:pPr>
             <a:r>
               <a:rPr lang="sl-SI" dirty="0">
                 <a:solidFill>
@@ -7749,90 +7865,7 @@
                 </a:solidFill>
                 <a:effectLst/>
               </a:rPr>
-              <a:t>https://convex-optimization.github.io/</a:t>
-            </a:r>
-            <a:r>
-              <a:rPr lang="sl-SI" dirty="0">
-                <a:effectLst/>
-              </a:rPr>
-              <a:t>.</a:t>
-            </a:r>
-          </a:p>
-          <a:p>
-            <a:r>
-              <a:rPr lang="sl-SI" dirty="0">
-                <a:effectLst/>
-              </a:rPr>
-              <a:t>Robert </a:t>
-            </a:r>
-            <a:r>
-              <a:rPr lang="sl-SI" dirty="0" err="1">
-                <a:effectLst/>
-              </a:rPr>
-              <a:t>Kwiatkowski</a:t>
-            </a:r>
-            <a:r>
-              <a:rPr lang="sl-SI" dirty="0">
-                <a:effectLst/>
-              </a:rPr>
-              <a:t> (2021) </a:t>
-            </a:r>
-            <a:r>
-              <a:rPr lang="sl-SI" i="1" dirty="0">
-                <a:effectLst/>
-              </a:rPr>
-              <a:t>Gradient </a:t>
-            </a:r>
-            <a:r>
-              <a:rPr lang="sl-SI" i="1" dirty="0" err="1">
-                <a:effectLst/>
-              </a:rPr>
-              <a:t>Descent</a:t>
-            </a:r>
-            <a:r>
-              <a:rPr lang="sl-SI" i="1" dirty="0">
-                <a:effectLst/>
-              </a:rPr>
-              <a:t> </a:t>
-            </a:r>
-            <a:r>
-              <a:rPr lang="sl-SI" i="1" dirty="0" err="1">
-                <a:effectLst/>
-              </a:rPr>
-              <a:t>Algorithm</a:t>
-            </a:r>
-            <a:r>
-              <a:rPr lang="sl-SI" i="1" dirty="0">
-                <a:effectLst/>
-              </a:rPr>
-              <a:t> — a </a:t>
-            </a:r>
-            <a:r>
-              <a:rPr lang="sl-SI" i="1" dirty="0" err="1">
-                <a:effectLst/>
-              </a:rPr>
-              <a:t>deep</a:t>
-            </a:r>
-            <a:r>
-              <a:rPr lang="sl-SI" i="1" dirty="0">
-                <a:effectLst/>
-              </a:rPr>
-              <a:t> dive</a:t>
-            </a:r>
-            <a:r>
-              <a:rPr lang="sl-SI" dirty="0">
-                <a:effectLst/>
-              </a:rPr>
-              <a:t>. Pridobljeno 30. 4. 2022 iz </a:t>
-            </a:r>
-            <a:r>
-              <a:rPr lang="sl-SI" dirty="0">
-                <a:solidFill>
-                  <a:srgbClr val="0070C0"/>
-                </a:solidFill>
-                <a:effectLst/>
-              </a:rPr>
-              <a:t>https://towardsdatascience.com/gradient-descent-algorithm-a-deep-dive-cf04e8115f21.</a:t>
+              <a:t>https://towardsdatascience.com/gradient-descent-algorithm-a-deep-dive-cf04e8115f21</a:t>
             </a:r>
             <a:endParaRPr lang="sl-SI" dirty="0">
               <a:solidFill>
@@ -8127,7 +8160,7 @@
                     <m:sSub>
                       <m:sSubPr>
                         <m:ctrlPr>
-                          <a:rPr lang="sl-SI" sz="1800" smtClean="0">
+                          <a:rPr lang="sl-SI" sz="1800" i="1" smtClean="0">
                             <a:effectLst/>
                             <a:latin typeface="Cambria Math" panose="02040503050406030204" pitchFamily="18" charset="0"/>
                           </a:rPr>
@@ -8163,7 +8196,7 @@
                     <m:sSup>
                       <m:sSupPr>
                         <m:ctrlPr>
-                          <a:rPr lang="sl-SI" sz="1800" smtClean="0">
+                          <a:rPr lang="sl-SI" sz="1800" i="1" smtClean="0">
                             <a:effectLst/>
                             <a:latin typeface="Cambria Math" panose="02040503050406030204" pitchFamily="18" charset="0"/>
                             <a:ea typeface="Cambria Math" panose="02040503050406030204" pitchFamily="18" charset="0"/>
@@ -8212,7 +8245,7 @@
                     <m:sSub>
                       <m:sSubPr>
                         <m:ctrlPr>
-                          <a:rPr lang="sl-SI" sz="1800" smtClean="0">
+                          <a:rPr lang="sl-SI" sz="1800" i="1" smtClean="0">
                             <a:effectLst/>
                             <a:latin typeface="Cambria Math" panose="02040503050406030204" pitchFamily="18" charset="0"/>
                           </a:rPr>
@@ -8247,7 +8280,7 @@
                     <m:sSub>
                       <m:sSubPr>
                         <m:ctrlPr>
-                          <a:rPr lang="sl-SI" sz="1800" b="0" smtClean="0">
+                          <a:rPr lang="sl-SI" sz="1800" b="0" i="1" smtClean="0">
                             <a:effectLst/>
                             <a:latin typeface="Cambria Math" panose="02040503050406030204" pitchFamily="18" charset="0"/>
                           </a:rPr>
@@ -8285,7 +8318,7 @@
                     <m:sSub>
                       <m:sSubPr>
                         <m:ctrlPr>
-                          <a:rPr lang="sl-SI" sz="1800">
+                          <a:rPr lang="sl-SI" sz="1800" i="1">
                             <a:latin typeface="Cambria Math" panose="02040503050406030204" pitchFamily="18" charset="0"/>
                           </a:rPr>
                         </m:ctrlPr>
@@ -8332,7 +8365,7 @@
                     <m:sSub>
                       <m:sSubPr>
                         <m:ctrlPr>
-                          <a:rPr lang="sl-SI" sz="1800">
+                          <a:rPr lang="sl-SI" sz="1800" i="1">
                             <a:latin typeface="Cambria Math" panose="02040503050406030204" pitchFamily="18" charset="0"/>
                           </a:rPr>
                         </m:ctrlPr>
@@ -8387,7 +8420,7 @@
                     <m:d>
                       <m:dPr>
                         <m:ctrlPr>
-                          <a:rPr lang="sl-SI" sz="1800">
+                          <a:rPr lang="sl-SI" sz="1800" i="1">
                             <a:latin typeface="Cambria Math" panose="02040503050406030204" pitchFamily="18" charset="0"/>
                             <a:ea typeface="Cambria Math" panose="02040503050406030204" pitchFamily="18" charset="0"/>
                           </a:rPr>
@@ -8397,7 +8430,7 @@
                         <m:sSub>
                           <m:sSubPr>
                             <m:ctrlPr>
-                              <a:rPr lang="sl-SI" sz="1800" smtClean="0">
+                              <a:rPr lang="sl-SI" sz="1800" i="1" smtClean="0">
                                 <a:latin typeface="Cambria Math" panose="02040503050406030204" pitchFamily="18" charset="0"/>
                                 <a:ea typeface="Cambria Math" panose="02040503050406030204" pitchFamily="18" charset="0"/>
                               </a:rPr>
@@ -8449,6 +8482,14 @@
                 <a:pPr marL="0" indent="0">
                   <a:buNone/>
                 </a:pPr>
+                <a:endParaRPr lang="sl-SI" sz="1800" dirty="0">
+                  <a:effectLst/>
+                </a:endParaRPr>
+              </a:p>
+              <a:p>
+                <a:pPr marL="0" indent="0">
+                  <a:buNone/>
+                </a:pPr>
                 <a:r>
                   <a:rPr lang="sl-SI" sz="1800" dirty="0">
                     <a:effectLst/>
@@ -8520,7 +8561,7 @@
               <a:blipFill>
                 <a:blip r:embed="rId2"/>
                 <a:stretch>
-                  <a:fillRect l="-508" t="-1363" b="-19250"/>
+                  <a:fillRect l="-508" t="-1363" b="-30664"/>
                 </a:stretch>
               </a:blipFill>
             </p:spPr>
@@ -9063,43 +9104,18 @@
                               </a:rPr>
                               <m:t>−</m:t>
                             </m:r>
-                            <m:f>
-                              <m:fPr>
-                                <m:ctrlPr>
-                                  <a:rPr lang="sl-SI" sz="1800" i="1" smtClean="0">
-                                    <a:latin typeface="Cambria Math" panose="02040503050406030204" pitchFamily="18" charset="0"/>
-                                  </a:rPr>
-                                </m:ctrlPr>
-                              </m:fPr>
-                              <m:num>
-                                <m:r>
-                                  <a:rPr lang="sl-SI" sz="1800" i="1" smtClean="0">
-                                    <a:latin typeface="Cambria Math" panose="02040503050406030204" pitchFamily="18" charset="0"/>
-                                  </a:rPr>
-                                  <m:t>𝑑</m:t>
-                                </m:r>
-                                <m:r>
-                                  <a:rPr lang="sl-SI" sz="1800" b="0" i="1" smtClean="0">
-                                    <a:latin typeface="Cambria Math" panose="02040503050406030204" pitchFamily="18" charset="0"/>
-                                  </a:rPr>
-                                  <m:t>𝑓</m:t>
-                                </m:r>
-                              </m:num>
-                              <m:den>
-                                <m:r>
-                                  <a:rPr lang="sl-SI" sz="1800" i="1" smtClean="0">
-                                    <a:latin typeface="Cambria Math" panose="02040503050406030204" pitchFamily="18" charset="0"/>
-                                  </a:rPr>
-                                  <m:t>𝑑</m:t>
-                                </m:r>
-                                <m:r>
-                                  <a:rPr lang="sl-SI" sz="1800" b="0" i="1" smtClean="0">
-                                    <a:latin typeface="Cambria Math" panose="02040503050406030204" pitchFamily="18" charset="0"/>
-                                  </a:rPr>
-                                  <m:t>𝑢</m:t>
-                                </m:r>
-                              </m:den>
-                            </m:f>
+                            <m:r>
+                              <a:rPr lang="sl-SI" sz="1800" i="1" smtClean="0">
+                                <a:latin typeface="Cambria Math" panose="02040503050406030204" pitchFamily="18" charset="0"/>
+                              </a:rPr>
+                              <m:t>𝐷</m:t>
+                            </m:r>
+                            <m:r>
+                              <a:rPr lang="sl-SI" sz="1800" b="0" i="1" smtClean="0">
+                                <a:latin typeface="Cambria Math" panose="02040503050406030204" pitchFamily="18" charset="0"/>
+                              </a:rPr>
+                              <m:t>𝑓</m:t>
+                            </m:r>
                             <m:r>
                               <a:rPr lang="sl-SI" sz="1800" b="0" i="1" smtClean="0">
                                 <a:latin typeface="Cambria Math" panose="02040503050406030204" pitchFamily="18" charset="0"/>
@@ -9116,7 +9132,19 @@
                               <a:rPr lang="sl-SI" sz="1800" b="0" i="1" smtClean="0">
                                 <a:latin typeface="Cambria Math" panose="02040503050406030204" pitchFamily="18" charset="0"/>
                               </a:rPr>
-                              <m:t>)</m:t>
+                              <m:t>)[</m:t>
+                            </m:r>
+                            <m:r>
+                              <a:rPr lang="sl-SI" sz="1800" b="0" i="1" smtClean="0">
+                                <a:latin typeface="Cambria Math" panose="02040503050406030204" pitchFamily="18" charset="0"/>
+                              </a:rPr>
+                              <m:t>𝑢</m:t>
+                            </m:r>
+                            <m:r>
+                              <a:rPr lang="sl-SI" sz="1800" b="0" i="1" smtClean="0">
+                                <a:latin typeface="Cambria Math" panose="02040503050406030204" pitchFamily="18" charset="0"/>
+                              </a:rPr>
+                              <m:t>]</m:t>
                             </m:r>
                           </m:e>
                         </m:d>
@@ -9749,7 +9777,7 @@
               <a:blipFill>
                 <a:blip r:embed="rId2"/>
                 <a:stretch>
-                  <a:fillRect l="-508" t="-966" b="-5517"/>
+                  <a:fillRect l="-508" t="-966" b="-4000"/>
                 </a:stretch>
               </a:blipFill>
             </p:spPr>
@@ -9768,8 +9796,8 @@
           </p:sp>
         </mc:Fallback>
       </mc:AlternateContent>
-      <mc:AlternateContent xmlns:mc="http://schemas.openxmlformats.org/markup-compatibility/2006">
-        <mc:Choice xmlns:a14="http://schemas.microsoft.com/office/drawing/2010/main" Requires="a14">
+      <mc:AlternateContent xmlns:mc="http://schemas.openxmlformats.org/markup-compatibility/2006" xmlns:a14="http://schemas.microsoft.com/office/drawing/2010/main">
+        <mc:Choice Requires="a14">
           <p:sp>
             <p:nvSpPr>
               <p:cNvPr id="5" name="PoljeZBesedilom 4">
@@ -9944,7 +9972,7 @@
             </p:txBody>
           </p:sp>
         </mc:Choice>
-        <mc:Fallback>
+        <mc:Fallback xmlns="">
           <p:sp>
             <p:nvSpPr>
               <p:cNvPr id="5" name="PoljeZBesedilom 4">
@@ -10799,7 +10827,7 @@
               <a:rPr lang="sl-SI" dirty="0">
                 <a:effectLst/>
               </a:rPr>
-              <a:t>100 iteracij za vsako učno stopnjo</a:t>
+              <a:t>100 iteracij za vsako učno stopnjo.</a:t>
             </a:r>
           </a:p>
           <a:p>
@@ -10811,7 +10839,7 @@
               <a:rPr lang="sl-SI" dirty="0">
                 <a:effectLst/>
               </a:rPr>
-              <a:t>manjša je učna stopnja dlje smo od optimalne rešitve, zaradi manjših korakov.</a:t>
+              <a:t>Manjša je učna stopnja dlje smo od optimalne rešitve, zaradi manjših korakov.</a:t>
             </a:r>
             <a:endParaRPr lang="sl-SI" dirty="0"/>
           </a:p>

--- a/predstavitev.pptx
+++ b/predstavitev.pptx
@@ -7318,14 +7318,31 @@
                           </m:ctrlPr>
                         </m:dPr>
                         <m:e>
-                          <m:r>
-                            <a:rPr lang="sl-SI" sz="1800" b="0" i="1" smtClean="0">
-                              <a:effectLst/>
-                              <a:latin typeface="Cambria Math" panose="02040503050406030204" pitchFamily="18" charset="0"/>
-                              <a:ea typeface="Cambria Math" panose="02040503050406030204" pitchFamily="18" charset="0"/>
-                            </a:rPr>
-                            <m:t>𝑥</m:t>
-                          </m:r>
+                          <m:sSub>
+                            <m:sSubPr>
+                              <m:ctrlPr>
+                                <a:rPr lang="sl-SI" sz="1800" i="1">
+                                  <a:latin typeface="Cambria Math" panose="02040503050406030204" pitchFamily="18" charset="0"/>
+                                </a:rPr>
+                              </m:ctrlPr>
+                            </m:sSubPr>
+                            <m:e>
+                              <m:r>
+                                <a:rPr lang="sl-SI" sz="1800" i="1">
+                                  <a:latin typeface="Cambria Math" panose="02040503050406030204" pitchFamily="18" charset="0"/>
+                                </a:rPr>
+                                <m:t>𝑥</m:t>
+                              </m:r>
+                            </m:e>
+                            <m:sub>
+                              <m:r>
+                                <a:rPr lang="sl-SI" sz="1800" i="1">
+                                  <a:latin typeface="Cambria Math" panose="02040503050406030204" pitchFamily="18" charset="0"/>
+                                </a:rPr>
+                                <m:t>𝑡</m:t>
+                              </m:r>
+                            </m:sub>
+                          </m:sSub>
                         </m:e>
                       </m:d>
                     </m:oMath>
@@ -7933,8 +7950,8 @@
           </a:p>
         </p:txBody>
       </p:sp>
-      <mc:AlternateContent xmlns:mc="http://schemas.openxmlformats.org/markup-compatibility/2006">
-        <mc:Choice xmlns:a14="http://schemas.microsoft.com/office/drawing/2010/main" Requires="a14">
+      <mc:AlternateContent xmlns:mc="http://schemas.openxmlformats.org/markup-compatibility/2006" xmlns:a14="http://schemas.microsoft.com/office/drawing/2010/main">
+        <mc:Choice Requires="a14">
           <p:sp>
             <p:nvSpPr>
               <p:cNvPr id="3" name="Označba mesta vsebine 2">
@@ -8536,7 +8553,7 @@
             </p:txBody>
           </p:sp>
         </mc:Choice>
-        <mc:Fallback>
+        <mc:Fallback xmlns="">
           <p:sp>
             <p:nvSpPr>
               <p:cNvPr id="3" name="Označba mesta vsebine 2">
@@ -8658,8 +8675,8 @@
             </p:nvSpPr>
             <p:spPr>
               <a:xfrm>
-                <a:off x="1347537" y="1428750"/>
-                <a:ext cx="9601200" cy="4415118"/>
+                <a:off x="1069665" y="2334308"/>
+                <a:ext cx="6034124" cy="3583405"/>
               </a:xfrm>
             </p:spPr>
             <p:txBody>
@@ -8675,7 +8692,18 @@
                   <a:rPr lang="sl-SI" sz="1800" dirty="0">
                     <a:effectLst/>
                   </a:rPr>
-                  <a:t>Zakaj ime gradientni spust? To ime je povezano z drugim korakom, torej z izračunom točke </a:t>
+                  <a:t>Zakaj ime gradientni spust? </a:t>
+                </a:r>
+              </a:p>
+              <a:p>
+                <a:pPr marL="0" indent="0">
+                  <a:buNone/>
+                </a:pPr>
+                <a:r>
+                  <a:rPr lang="sl-SI" sz="1800" dirty="0">
+                    <a:effectLst/>
+                  </a:rPr>
+                  <a:t>To ime je povezano z drugim korakom, torej z izračunom točke </a:t>
                 </a:r>
                 <a14:m>
                   <m:oMath xmlns:m="http://schemas.openxmlformats.org/officeDocument/2006/math">
@@ -9002,712 +9030,6 @@
                     <a:effectLst/>
                   </a:rPr>
                 </a:br>
-                <a:r>
-                  <a:rPr lang="sl-SI" sz="1800" dirty="0">
-                    <a:effectLst/>
-                  </a:rPr>
-                  <a:t>Kar zapišemo kot : </a:t>
-                </a:r>
-                <a14:m>
-                  <m:oMath xmlns:m="http://schemas.openxmlformats.org/officeDocument/2006/math">
-                    <m:func>
-                      <m:funcPr>
-                        <m:ctrlPr>
-                          <a:rPr lang="sl-SI" sz="1800" i="1" smtClean="0">
-                            <a:latin typeface="Cambria Math" panose="02040503050406030204" pitchFamily="18" charset="0"/>
-                          </a:rPr>
-                        </m:ctrlPr>
-                      </m:funcPr>
-                      <m:fName>
-                        <m:r>
-                          <a:rPr lang="sl-SI" sz="1800" b="0" i="1" smtClean="0">
-                            <a:latin typeface="Cambria Math" panose="02040503050406030204" pitchFamily="18" charset="0"/>
-                          </a:rPr>
-                          <m:t>                     </m:t>
-                        </m:r>
-                        <m:limLow>
-                          <m:limLowPr>
-                            <m:ctrlPr>
-                              <a:rPr lang="sl-SI" sz="1800" i="1" smtClean="0">
-                                <a:latin typeface="Cambria Math" panose="02040503050406030204" pitchFamily="18" charset="0"/>
-                              </a:rPr>
-                            </m:ctrlPr>
-                          </m:limLowPr>
-                          <m:e>
-                            <m:r>
-                              <m:rPr>
-                                <m:sty m:val="p"/>
-                              </m:rPr>
-                              <a:rPr lang="sl-SI" sz="1800" i="0" smtClean="0">
-                                <a:latin typeface="Cambria Math" panose="02040503050406030204" pitchFamily="18" charset="0"/>
-                              </a:rPr>
-                              <m:t>max</m:t>
-                            </m:r>
-                          </m:e>
-                          <m:lim>
-                            <m:d>
-                              <m:dPr>
-                                <m:begChr m:val="|"/>
-                                <m:endChr m:val="|"/>
-                                <m:ctrlPr>
-                                  <a:rPr lang="sl-SI" sz="1800" b="0" i="1" smtClean="0">
-                                    <a:latin typeface="Cambria Math" panose="02040503050406030204" pitchFamily="18" charset="0"/>
-                                  </a:rPr>
-                                </m:ctrlPr>
-                              </m:dPr>
-                              <m:e>
-                                <m:d>
-                                  <m:dPr>
-                                    <m:begChr m:val="|"/>
-                                    <m:endChr m:val="|"/>
-                                    <m:ctrlPr>
-                                      <a:rPr lang="sl-SI" sz="1800" b="0" i="1" smtClean="0">
-                                        <a:latin typeface="Cambria Math" panose="02040503050406030204" pitchFamily="18" charset="0"/>
-                                      </a:rPr>
-                                    </m:ctrlPr>
-                                  </m:dPr>
-                                  <m:e>
-                                    <m:r>
-                                      <a:rPr lang="sl-SI" sz="1800" b="0" i="1" smtClean="0">
-                                        <a:latin typeface="Cambria Math" panose="02040503050406030204" pitchFamily="18" charset="0"/>
-                                      </a:rPr>
-                                      <m:t>𝑢</m:t>
-                                    </m:r>
-                                  </m:e>
-                                </m:d>
-                              </m:e>
-                            </m:d>
-                            <m:r>
-                              <a:rPr lang="sl-SI" sz="1800" b="0" i="1" smtClean="0">
-                                <a:latin typeface="Cambria Math" panose="02040503050406030204" pitchFamily="18" charset="0"/>
-                              </a:rPr>
-                              <m:t>=1</m:t>
-                            </m:r>
-                          </m:lim>
-                        </m:limLow>
-                      </m:fName>
-                      <m:e>
-                        <m:d>
-                          <m:dPr>
-                            <m:begChr m:val="["/>
-                            <m:endChr m:val="]"/>
-                            <m:ctrlPr>
-                              <a:rPr lang="sl-SI" sz="1800" i="1" smtClean="0">
-                                <a:latin typeface="Cambria Math" panose="02040503050406030204" pitchFamily="18" charset="0"/>
-                              </a:rPr>
-                            </m:ctrlPr>
-                          </m:dPr>
-                          <m:e>
-                            <m:r>
-                              <a:rPr lang="sl-SI" sz="1800" b="0" i="1" smtClean="0">
-                                <a:latin typeface="Cambria Math" panose="02040503050406030204" pitchFamily="18" charset="0"/>
-                              </a:rPr>
-                              <m:t>−</m:t>
-                            </m:r>
-                            <m:r>
-                              <a:rPr lang="sl-SI" sz="1800" i="1" smtClean="0">
-                                <a:latin typeface="Cambria Math" panose="02040503050406030204" pitchFamily="18" charset="0"/>
-                              </a:rPr>
-                              <m:t>𝐷</m:t>
-                            </m:r>
-                            <m:r>
-                              <a:rPr lang="sl-SI" sz="1800" b="0" i="1" smtClean="0">
-                                <a:latin typeface="Cambria Math" panose="02040503050406030204" pitchFamily="18" charset="0"/>
-                              </a:rPr>
-                              <m:t>𝑓</m:t>
-                            </m:r>
-                            <m:r>
-                              <a:rPr lang="sl-SI" sz="1800" b="0" i="1" smtClean="0">
-                                <a:latin typeface="Cambria Math" panose="02040503050406030204" pitchFamily="18" charset="0"/>
-                              </a:rPr>
-                              <m:t>(</m:t>
-                            </m:r>
-                            <m:r>
-                              <a:rPr lang="sl-SI" sz="1800" b="0" i="1" smtClean="0">
-                                <a:latin typeface="Cambria Math" panose="02040503050406030204" pitchFamily="18" charset="0"/>
-                              </a:rPr>
-                              <m:t>𝑥</m:t>
-                            </m:r>
-                            <m:r>
-                              <a:rPr lang="sl-SI" sz="1800" b="0" i="1" smtClean="0">
-                                <a:latin typeface="Cambria Math" panose="02040503050406030204" pitchFamily="18" charset="0"/>
-                              </a:rPr>
-                              <m:t>)[</m:t>
-                            </m:r>
-                            <m:r>
-                              <a:rPr lang="sl-SI" sz="1800" b="0" i="1" smtClean="0">
-                                <a:latin typeface="Cambria Math" panose="02040503050406030204" pitchFamily="18" charset="0"/>
-                              </a:rPr>
-                              <m:t>𝑢</m:t>
-                            </m:r>
-                            <m:r>
-                              <a:rPr lang="sl-SI" sz="1800" b="0" i="1" smtClean="0">
-                                <a:latin typeface="Cambria Math" panose="02040503050406030204" pitchFamily="18" charset="0"/>
-                              </a:rPr>
-                              <m:t>]</m:t>
-                            </m:r>
-                          </m:e>
-                        </m:d>
-                        <m:r>
-                          <a:rPr lang="sl-SI" sz="1800" b="0" i="1" smtClean="0">
-                            <a:latin typeface="Cambria Math" panose="02040503050406030204" pitchFamily="18" charset="0"/>
-                            <a:ea typeface="Cambria Math" panose="02040503050406030204" pitchFamily="18" charset="0"/>
-                          </a:rPr>
-                          <m:t>= </m:t>
-                        </m:r>
-                      </m:e>
-                    </m:func>
-                  </m:oMath>
-                </a14:m>
-                <a:r>
-                  <a:rPr lang="sl-SI" sz="1800" dirty="0"/>
-                  <a:t> </a:t>
-                </a:r>
-                <a14:m>
-                  <m:oMath xmlns:m="http://schemas.openxmlformats.org/officeDocument/2006/math">
-                    <m:func>
-                      <m:funcPr>
-                        <m:ctrlPr>
-                          <a:rPr lang="sl-SI" sz="1800" i="1">
-                            <a:latin typeface="Cambria Math" panose="02040503050406030204" pitchFamily="18" charset="0"/>
-                          </a:rPr>
-                        </m:ctrlPr>
-                      </m:funcPr>
-                      <m:fName>
-                        <m:limLow>
-                          <m:limLowPr>
-                            <m:ctrlPr>
-                              <a:rPr lang="sl-SI" sz="1800" i="1">
-                                <a:latin typeface="Cambria Math" panose="02040503050406030204" pitchFamily="18" charset="0"/>
-                              </a:rPr>
-                            </m:ctrlPr>
-                          </m:limLowPr>
-                          <m:e>
-                            <m:r>
-                              <m:rPr>
-                                <m:sty m:val="p"/>
-                              </m:rPr>
-                              <a:rPr lang="sl-SI" sz="1800">
-                                <a:latin typeface="Cambria Math" panose="02040503050406030204" pitchFamily="18" charset="0"/>
-                              </a:rPr>
-                              <m:t>max</m:t>
-                            </m:r>
-                          </m:e>
-                          <m:lim>
-                            <m:d>
-                              <m:dPr>
-                                <m:begChr m:val="|"/>
-                                <m:endChr m:val="|"/>
-                                <m:ctrlPr>
-                                  <a:rPr lang="sl-SI" sz="1800" i="1">
-                                    <a:latin typeface="Cambria Math" panose="02040503050406030204" pitchFamily="18" charset="0"/>
-                                  </a:rPr>
-                                </m:ctrlPr>
-                              </m:dPr>
-                              <m:e>
-                                <m:d>
-                                  <m:dPr>
-                                    <m:begChr m:val="|"/>
-                                    <m:endChr m:val="|"/>
-                                    <m:ctrlPr>
-                                      <a:rPr lang="sl-SI" sz="1800" i="1">
-                                        <a:latin typeface="Cambria Math" panose="02040503050406030204" pitchFamily="18" charset="0"/>
-                                      </a:rPr>
-                                    </m:ctrlPr>
-                                  </m:dPr>
-                                  <m:e>
-                                    <m:r>
-                                      <a:rPr lang="sl-SI" sz="1800" i="1">
-                                        <a:latin typeface="Cambria Math" panose="02040503050406030204" pitchFamily="18" charset="0"/>
-                                      </a:rPr>
-                                      <m:t>𝑢</m:t>
-                                    </m:r>
-                                  </m:e>
-                                </m:d>
-                              </m:e>
-                            </m:d>
-                            <m:r>
-                              <a:rPr lang="sl-SI" sz="1800" i="1">
-                                <a:latin typeface="Cambria Math" panose="02040503050406030204" pitchFamily="18" charset="0"/>
-                              </a:rPr>
-                              <m:t>=1</m:t>
-                            </m:r>
-                          </m:lim>
-                        </m:limLow>
-                      </m:fName>
-                      <m:e>
-                        <m:d>
-                          <m:dPr>
-                            <m:begChr m:val="["/>
-                            <m:endChr m:val="]"/>
-                            <m:ctrlPr>
-                              <a:rPr lang="sl-SI" sz="1800" i="1">
-                                <a:latin typeface="Cambria Math" panose="02040503050406030204" pitchFamily="18" charset="0"/>
-                              </a:rPr>
-                            </m:ctrlPr>
-                          </m:dPr>
-                          <m:e>
-                            <m:r>
-                              <a:rPr lang="sl-SI" sz="1800" i="1">
-                                <a:latin typeface="Cambria Math" panose="02040503050406030204" pitchFamily="18" charset="0"/>
-                              </a:rPr>
-                              <m:t>−</m:t>
-                            </m:r>
-                            <m:r>
-                              <a:rPr lang="sl-SI" sz="1800" i="1" smtClean="0">
-                                <a:latin typeface="Cambria Math" panose="02040503050406030204" pitchFamily="18" charset="0"/>
-                                <a:ea typeface="Cambria Math" panose="02040503050406030204" pitchFamily="18" charset="0"/>
-                              </a:rPr>
-                              <m:t>&lt;</m:t>
-                            </m:r>
-                            <m:r>
-                              <a:rPr lang="sl-SI" sz="1800" b="0" i="1" smtClean="0">
-                                <a:latin typeface="Cambria Math" panose="02040503050406030204" pitchFamily="18" charset="0"/>
-                                <a:ea typeface="Cambria Math" panose="02040503050406030204" pitchFamily="18" charset="0"/>
-                              </a:rPr>
-                              <m:t>𝑓</m:t>
-                            </m:r>
-                            <m:d>
-                              <m:dPr>
-                                <m:ctrlPr>
-                                  <a:rPr lang="sl-SI" sz="1800" b="0" i="1" smtClean="0">
-                                    <a:latin typeface="Cambria Math" panose="02040503050406030204" pitchFamily="18" charset="0"/>
-                                    <a:ea typeface="Cambria Math" panose="02040503050406030204" pitchFamily="18" charset="0"/>
-                                  </a:rPr>
-                                </m:ctrlPr>
-                              </m:dPr>
-                              <m:e>
-                                <m:r>
-                                  <a:rPr lang="sl-SI" sz="1800" b="0" i="1" smtClean="0">
-                                    <a:latin typeface="Cambria Math" panose="02040503050406030204" pitchFamily="18" charset="0"/>
-                                    <a:ea typeface="Cambria Math" panose="02040503050406030204" pitchFamily="18" charset="0"/>
-                                  </a:rPr>
-                                  <m:t>𝑥</m:t>
-                                </m:r>
-                              </m:e>
-                            </m:d>
-                            <m:r>
-                              <a:rPr lang="sl-SI" sz="1800" b="0" i="1" smtClean="0">
-                                <a:latin typeface="Cambria Math" panose="02040503050406030204" pitchFamily="18" charset="0"/>
-                                <a:ea typeface="Cambria Math" panose="02040503050406030204" pitchFamily="18" charset="0"/>
-                              </a:rPr>
-                              <m:t>,</m:t>
-                            </m:r>
-                            <m:r>
-                              <a:rPr lang="sl-SI" sz="1800" b="0" i="1" smtClean="0">
-                                <a:latin typeface="Cambria Math" panose="02040503050406030204" pitchFamily="18" charset="0"/>
-                                <a:ea typeface="Cambria Math" panose="02040503050406030204" pitchFamily="18" charset="0"/>
-                              </a:rPr>
-                              <m:t>𝑢</m:t>
-                            </m:r>
-                            <m:r>
-                              <a:rPr lang="sl-SI" sz="1800" b="0" i="1" smtClean="0">
-                                <a:latin typeface="Cambria Math" panose="02040503050406030204" pitchFamily="18" charset="0"/>
-                                <a:ea typeface="Cambria Math" panose="02040503050406030204" pitchFamily="18" charset="0"/>
-                              </a:rPr>
-                              <m:t>&gt;</m:t>
-                            </m:r>
-                          </m:e>
-                        </m:d>
-                        <m:r>
-                          <a:rPr lang="sl-SI" sz="1800" i="1">
-                            <a:latin typeface="Cambria Math" panose="02040503050406030204" pitchFamily="18" charset="0"/>
-                            <a:ea typeface="Cambria Math" panose="02040503050406030204" pitchFamily="18" charset="0"/>
-                          </a:rPr>
-                          <m:t> </m:t>
-                        </m:r>
-                      </m:e>
-                    </m:func>
-                  </m:oMath>
-                </a14:m>
-                <a:br>
-                  <a:rPr lang="sl-SI" sz="1800" dirty="0">
-                    <a:effectLst/>
-                  </a:rPr>
-                </a:br>
-                <a:endParaRPr lang="sl-SI" sz="1800" dirty="0">
-                  <a:effectLst/>
-                </a:endParaRPr>
-              </a:p>
-              <a:p>
-                <a:pPr marL="0" indent="0">
-                  <a:buNone/>
-                </a:pPr>
-                <a:r>
-                  <a:rPr lang="sl-SI" sz="1800" dirty="0">
-                    <a:effectLst/>
-                  </a:rPr>
-                  <a:t>Maksimum je dosežen pri:       </a:t>
-                </a:r>
-                <a14:m>
-                  <m:oMath xmlns:m="http://schemas.openxmlformats.org/officeDocument/2006/math">
-                    <m:sSup>
-                      <m:sSupPr>
-                        <m:ctrlPr>
-                          <a:rPr lang="sl-SI" sz="1800" i="1" smtClean="0">
-                            <a:effectLst/>
-                            <a:latin typeface="Cambria Math" panose="02040503050406030204" pitchFamily="18" charset="0"/>
-                          </a:rPr>
-                        </m:ctrlPr>
-                      </m:sSupPr>
-                      <m:e>
-                        <m:r>
-                          <a:rPr lang="sl-SI" sz="1800" b="0" i="1" smtClean="0">
-                            <a:effectLst/>
-                            <a:latin typeface="Cambria Math" panose="02040503050406030204" pitchFamily="18" charset="0"/>
-                          </a:rPr>
-                          <m:t>𝑢</m:t>
-                        </m:r>
-                      </m:e>
-                      <m:sup>
-                        <m:r>
-                          <a:rPr lang="sl-SI" sz="1800" b="0" i="1" smtClean="0">
-                            <a:effectLst/>
-                            <a:latin typeface="Cambria Math" panose="02040503050406030204" pitchFamily="18" charset="0"/>
-                          </a:rPr>
-                          <m:t>∗</m:t>
-                        </m:r>
-                      </m:sup>
-                    </m:sSup>
-                    <m:box>
-                      <m:boxPr>
-                        <m:ctrlPr>
-                          <a:rPr lang="sl-SI" sz="1800" i="1" smtClean="0">
-                            <a:effectLst/>
-                            <a:latin typeface="Cambria Math" panose="02040503050406030204" pitchFamily="18" charset="0"/>
-                          </a:rPr>
-                        </m:ctrlPr>
-                      </m:boxPr>
-                      <m:e>
-                        <m:r>
-                          <a:rPr lang="sl-SI" sz="1800" i="1" smtClean="0">
-                            <a:effectLst/>
-                            <a:latin typeface="Cambria Math" panose="02040503050406030204" pitchFamily="18" charset="0"/>
-                          </a:rPr>
-                          <m:t>≔</m:t>
-                        </m:r>
-                      </m:e>
-                    </m:box>
-                    <m:r>
-                      <a:rPr lang="sl-SI" sz="1800" b="0" i="1" smtClean="0">
-                        <a:effectLst/>
-                        <a:latin typeface="Cambria Math" panose="02040503050406030204" pitchFamily="18" charset="0"/>
-                      </a:rPr>
-                      <m:t>−</m:t>
-                    </m:r>
-                    <m:f>
-                      <m:fPr>
-                        <m:ctrlPr>
-                          <a:rPr lang="sl-SI" sz="1800" b="0" i="1" smtClean="0">
-                            <a:effectLst/>
-                            <a:latin typeface="Cambria Math" panose="02040503050406030204" pitchFamily="18" charset="0"/>
-                          </a:rPr>
-                        </m:ctrlPr>
-                      </m:fPr>
-                      <m:num>
-                        <m:r>
-                          <m:rPr>
-                            <m:sty m:val="p"/>
-                          </m:rPr>
-                          <a:rPr lang="sl-SI" sz="1800" i="1">
-                            <a:latin typeface="Cambria Math" panose="02040503050406030204" pitchFamily="18" charset="0"/>
-                            <a:ea typeface="Cambria Math" panose="02040503050406030204" pitchFamily="18" charset="0"/>
-                          </a:rPr>
-                          <m:t>∇</m:t>
-                        </m:r>
-                        <m:r>
-                          <a:rPr lang="sl-SI" sz="1800" i="1">
-                            <a:latin typeface="Cambria Math" panose="02040503050406030204" pitchFamily="18" charset="0"/>
-                            <a:ea typeface="Cambria Math" panose="02040503050406030204" pitchFamily="18" charset="0"/>
-                          </a:rPr>
-                          <m:t>𝑓</m:t>
-                        </m:r>
-                        <m:d>
-                          <m:dPr>
-                            <m:ctrlPr>
-                              <a:rPr lang="sl-SI" sz="1800" i="1">
-                                <a:latin typeface="Cambria Math" panose="02040503050406030204" pitchFamily="18" charset="0"/>
-                                <a:ea typeface="Cambria Math" panose="02040503050406030204" pitchFamily="18" charset="0"/>
-                              </a:rPr>
-                            </m:ctrlPr>
-                          </m:dPr>
-                          <m:e>
-                            <m:r>
-                              <a:rPr lang="sl-SI" sz="1800" b="0" i="1" smtClean="0">
-                                <a:latin typeface="Cambria Math" panose="02040503050406030204" pitchFamily="18" charset="0"/>
-                                <a:ea typeface="Cambria Math" panose="02040503050406030204" pitchFamily="18" charset="0"/>
-                              </a:rPr>
-                              <m:t>𝑥</m:t>
-                            </m:r>
-                          </m:e>
-                        </m:d>
-                      </m:num>
-                      <m:den>
-                        <m:r>
-                          <a:rPr lang="sl-SI" sz="1800" b="0" i="1" smtClean="0">
-                            <a:effectLst/>
-                            <a:latin typeface="Cambria Math" panose="02040503050406030204" pitchFamily="18" charset="0"/>
-                          </a:rPr>
-                          <m:t>||</m:t>
-                        </m:r>
-                        <m:r>
-                          <m:rPr>
-                            <m:sty m:val="p"/>
-                          </m:rPr>
-                          <a:rPr lang="sl-SI" sz="1800" i="1">
-                            <a:latin typeface="Cambria Math" panose="02040503050406030204" pitchFamily="18" charset="0"/>
-                            <a:ea typeface="Cambria Math" panose="02040503050406030204" pitchFamily="18" charset="0"/>
-                          </a:rPr>
-                          <m:t>∇</m:t>
-                        </m:r>
-                        <m:r>
-                          <a:rPr lang="sl-SI" sz="1800" i="1">
-                            <a:latin typeface="Cambria Math" panose="02040503050406030204" pitchFamily="18" charset="0"/>
-                            <a:ea typeface="Cambria Math" panose="02040503050406030204" pitchFamily="18" charset="0"/>
-                          </a:rPr>
-                          <m:t>𝑓</m:t>
-                        </m:r>
-                        <m:d>
-                          <m:dPr>
-                            <m:ctrlPr>
-                              <a:rPr lang="sl-SI" sz="1800" i="1">
-                                <a:latin typeface="Cambria Math" panose="02040503050406030204" pitchFamily="18" charset="0"/>
-                                <a:ea typeface="Cambria Math" panose="02040503050406030204" pitchFamily="18" charset="0"/>
-                              </a:rPr>
-                            </m:ctrlPr>
-                          </m:dPr>
-                          <m:e>
-                            <m:r>
-                              <a:rPr lang="sl-SI" sz="1800" b="0" i="1" smtClean="0">
-                                <a:latin typeface="Cambria Math" panose="02040503050406030204" pitchFamily="18" charset="0"/>
-                                <a:ea typeface="Cambria Math" panose="02040503050406030204" pitchFamily="18" charset="0"/>
-                              </a:rPr>
-                              <m:t>𝑥</m:t>
-                            </m:r>
-                          </m:e>
-                        </m:d>
-                        <m:r>
-                          <a:rPr lang="sl-SI" sz="1800" b="0" i="1" smtClean="0">
-                            <a:latin typeface="Cambria Math" panose="02040503050406030204" pitchFamily="18" charset="0"/>
-                            <a:ea typeface="Cambria Math" panose="02040503050406030204" pitchFamily="18" charset="0"/>
-                          </a:rPr>
-                          <m:t>||</m:t>
-                        </m:r>
-                      </m:den>
-                    </m:f>
-                  </m:oMath>
-                </a14:m>
-                <a:br>
-                  <a:rPr lang="sl-SI" sz="1800" dirty="0">
-                    <a:effectLst/>
-                  </a:rPr>
-                </a:br>
-                <a:endParaRPr lang="sl-SI" sz="1800" dirty="0">
-                  <a:effectLst/>
-                </a:endParaRPr>
-              </a:p>
-              <a:p>
-                <a:pPr marL="0" indent="0">
-                  <a:buNone/>
-                </a:pPr>
-                <a:r>
-                  <a:rPr lang="sl-SI" sz="1800" dirty="0">
-                    <a:effectLst/>
-                  </a:rPr>
-                  <a:t>Iz tega sledi, da je naravna diskretizacija sledeča:</a:t>
-                </a:r>
-                <a14:m>
-                  <m:oMath xmlns:m="http://schemas.openxmlformats.org/officeDocument/2006/math">
-                    <m:r>
-                      <a:rPr lang="sl-SI" sz="1800" b="0" i="0" smtClean="0">
-                        <a:effectLst/>
-                        <a:latin typeface="Cambria Math" panose="02040503050406030204" pitchFamily="18" charset="0"/>
-                      </a:rPr>
-                      <m:t>       </m:t>
-                    </m:r>
-                    <m:sSub>
-                      <m:sSubPr>
-                        <m:ctrlPr>
-                          <a:rPr lang="sl-SI" sz="1800" i="1" smtClean="0">
-                            <a:effectLst/>
-                            <a:latin typeface="Cambria Math" panose="02040503050406030204" pitchFamily="18" charset="0"/>
-                          </a:rPr>
-                        </m:ctrlPr>
-                      </m:sSubPr>
-                      <m:e>
-                        <m:r>
-                          <a:rPr lang="sl-SI" sz="1800" b="0" i="1" smtClean="0">
-                            <a:effectLst/>
-                            <a:latin typeface="Cambria Math" panose="02040503050406030204" pitchFamily="18" charset="0"/>
-                          </a:rPr>
-                          <m:t>𝑥</m:t>
-                        </m:r>
-                      </m:e>
-                      <m:sub>
-                        <m:r>
-                          <a:rPr lang="sl-SI" sz="1800" b="0" i="1" smtClean="0">
-                            <a:effectLst/>
-                            <a:latin typeface="Cambria Math" panose="02040503050406030204" pitchFamily="18" charset="0"/>
-                          </a:rPr>
-                          <m:t>𝑡</m:t>
-                        </m:r>
-                        <m:r>
-                          <a:rPr lang="sl-SI" sz="1800" b="0" i="1" smtClean="0">
-                            <a:effectLst/>
-                            <a:latin typeface="Cambria Math" panose="02040503050406030204" pitchFamily="18" charset="0"/>
-                          </a:rPr>
-                          <m:t>+1</m:t>
-                        </m:r>
-                      </m:sub>
-                    </m:sSub>
-                    <m:r>
-                      <a:rPr lang="sl-SI" sz="1800" b="0" i="1" smtClean="0">
-                        <a:effectLst/>
-                        <a:latin typeface="Cambria Math" panose="02040503050406030204" pitchFamily="18" charset="0"/>
-                      </a:rPr>
-                      <m:t>= </m:t>
-                    </m:r>
-                    <m:sSub>
-                      <m:sSubPr>
-                        <m:ctrlPr>
-                          <a:rPr lang="sl-SI" sz="1800" b="0" i="1" smtClean="0">
-                            <a:effectLst/>
-                            <a:latin typeface="Cambria Math" panose="02040503050406030204" pitchFamily="18" charset="0"/>
-                          </a:rPr>
-                        </m:ctrlPr>
-                      </m:sSubPr>
-                      <m:e>
-                        <m:r>
-                          <a:rPr lang="sl-SI" sz="1800" b="0" i="1" smtClean="0">
-                            <a:effectLst/>
-                            <a:latin typeface="Cambria Math" panose="02040503050406030204" pitchFamily="18" charset="0"/>
-                          </a:rPr>
-                          <m:t>𝑥</m:t>
-                        </m:r>
-                      </m:e>
-                      <m:sub>
-                        <m:r>
-                          <a:rPr lang="sl-SI" sz="1800" b="0" i="1" smtClean="0">
-                            <a:effectLst/>
-                            <a:latin typeface="Cambria Math" panose="02040503050406030204" pitchFamily="18" charset="0"/>
-                          </a:rPr>
-                          <m:t>𝑡</m:t>
-                        </m:r>
-                      </m:sub>
-                    </m:sSub>
-                    <m:r>
-                      <a:rPr lang="sl-SI" sz="1800" i="1">
-                        <a:latin typeface="Cambria Math" panose="02040503050406030204" pitchFamily="18" charset="0"/>
-                      </a:rPr>
-                      <m:t>−</m:t>
-                    </m:r>
-                    <m:r>
-                      <a:rPr lang="sl-SI" sz="1800" i="1" smtClean="0">
-                        <a:latin typeface="Cambria Math" panose="02040503050406030204" pitchFamily="18" charset="0"/>
-                        <a:ea typeface="Cambria Math" panose="02040503050406030204" pitchFamily="18" charset="0"/>
-                      </a:rPr>
-                      <m:t>𝛼</m:t>
-                    </m:r>
-                    <m:f>
-                      <m:fPr>
-                        <m:ctrlPr>
-                          <a:rPr lang="sl-SI" sz="1800" i="1">
-                            <a:latin typeface="Cambria Math" panose="02040503050406030204" pitchFamily="18" charset="0"/>
-                          </a:rPr>
-                        </m:ctrlPr>
-                      </m:fPr>
-                      <m:num>
-                        <m:r>
-                          <m:rPr>
-                            <m:sty m:val="p"/>
-                          </m:rPr>
-                          <a:rPr lang="sl-SI" sz="1800" i="1">
-                            <a:latin typeface="Cambria Math" panose="02040503050406030204" pitchFamily="18" charset="0"/>
-                            <a:ea typeface="Cambria Math" panose="02040503050406030204" pitchFamily="18" charset="0"/>
-                          </a:rPr>
-                          <m:t>∇</m:t>
-                        </m:r>
-                        <m:r>
-                          <a:rPr lang="sl-SI" sz="1800" i="1">
-                            <a:latin typeface="Cambria Math" panose="02040503050406030204" pitchFamily="18" charset="0"/>
-                            <a:ea typeface="Cambria Math" panose="02040503050406030204" pitchFamily="18" charset="0"/>
-                          </a:rPr>
-                          <m:t>𝑓</m:t>
-                        </m:r>
-                        <m:d>
-                          <m:dPr>
-                            <m:ctrlPr>
-                              <a:rPr lang="sl-SI" sz="1800" i="1">
-                                <a:latin typeface="Cambria Math" panose="02040503050406030204" pitchFamily="18" charset="0"/>
-                                <a:ea typeface="Cambria Math" panose="02040503050406030204" pitchFamily="18" charset="0"/>
-                              </a:rPr>
-                            </m:ctrlPr>
-                          </m:dPr>
-                          <m:e>
-                            <m:r>
-                              <a:rPr lang="sl-SI" sz="1800" i="1">
-                                <a:latin typeface="Cambria Math" panose="02040503050406030204" pitchFamily="18" charset="0"/>
-                                <a:ea typeface="Cambria Math" panose="02040503050406030204" pitchFamily="18" charset="0"/>
-                              </a:rPr>
-                              <m:t>𝑥</m:t>
-                            </m:r>
-                          </m:e>
-                        </m:d>
-                      </m:num>
-                      <m:den>
-                        <m:r>
-                          <a:rPr lang="sl-SI" sz="1800" i="1">
-                            <a:latin typeface="Cambria Math" panose="02040503050406030204" pitchFamily="18" charset="0"/>
-                          </a:rPr>
-                          <m:t>||</m:t>
-                        </m:r>
-                        <m:r>
-                          <m:rPr>
-                            <m:sty m:val="p"/>
-                          </m:rPr>
-                          <a:rPr lang="sl-SI" sz="1800" i="1">
-                            <a:latin typeface="Cambria Math" panose="02040503050406030204" pitchFamily="18" charset="0"/>
-                            <a:ea typeface="Cambria Math" panose="02040503050406030204" pitchFamily="18" charset="0"/>
-                          </a:rPr>
-                          <m:t>∇</m:t>
-                        </m:r>
-                        <m:r>
-                          <a:rPr lang="sl-SI" sz="1800" i="1">
-                            <a:latin typeface="Cambria Math" panose="02040503050406030204" pitchFamily="18" charset="0"/>
-                            <a:ea typeface="Cambria Math" panose="02040503050406030204" pitchFamily="18" charset="0"/>
-                          </a:rPr>
-                          <m:t>𝑓</m:t>
-                        </m:r>
-                        <m:d>
-                          <m:dPr>
-                            <m:ctrlPr>
-                              <a:rPr lang="sl-SI" sz="1800" i="1">
-                                <a:latin typeface="Cambria Math" panose="02040503050406030204" pitchFamily="18" charset="0"/>
-                                <a:ea typeface="Cambria Math" panose="02040503050406030204" pitchFamily="18" charset="0"/>
-                              </a:rPr>
-                            </m:ctrlPr>
-                          </m:dPr>
-                          <m:e>
-                            <m:r>
-                              <a:rPr lang="sl-SI" sz="1800" i="1">
-                                <a:latin typeface="Cambria Math" panose="02040503050406030204" pitchFamily="18" charset="0"/>
-                                <a:ea typeface="Cambria Math" panose="02040503050406030204" pitchFamily="18" charset="0"/>
-                              </a:rPr>
-                              <m:t>𝑥</m:t>
-                            </m:r>
-                          </m:e>
-                        </m:d>
-                        <m:r>
-                          <a:rPr lang="sl-SI" sz="1800" i="1">
-                            <a:latin typeface="Cambria Math" panose="02040503050406030204" pitchFamily="18" charset="0"/>
-                            <a:ea typeface="Cambria Math" panose="02040503050406030204" pitchFamily="18" charset="0"/>
-                          </a:rPr>
-                          <m:t>||</m:t>
-                        </m:r>
-                      </m:den>
-                    </m:f>
-                  </m:oMath>
-                </a14:m>
                 <a:endParaRPr lang="sl-SI" sz="1800" dirty="0">
                   <a:effectLst/>
                 </a:endParaRPr>
@@ -9771,13 +9093,13 @@
             </p:nvSpPr>
             <p:spPr>
               <a:xfrm>
-                <a:off x="1347537" y="1428750"/>
-                <a:ext cx="9601200" cy="4415118"/>
+                <a:off x="1069665" y="2334308"/>
+                <a:ext cx="6034124" cy="3583405"/>
               </a:xfrm>
               <a:blipFill>
                 <a:blip r:embed="rId2"/>
                 <a:stretch>
-                  <a:fillRect l="-508" t="-966" b="-4000"/>
+                  <a:fillRect l="-808" t="-1361"/>
                 </a:stretch>
               </a:blipFill>
             </p:spPr>
@@ -9796,8 +9118,8 @@
           </p:sp>
         </mc:Fallback>
       </mc:AlternateContent>
-      <mc:AlternateContent xmlns:mc="http://schemas.openxmlformats.org/markup-compatibility/2006" xmlns:a14="http://schemas.microsoft.com/office/drawing/2010/main">
-        <mc:Choice Requires="a14">
+      <mc:AlternateContent xmlns:mc="http://schemas.openxmlformats.org/markup-compatibility/2006">
+        <mc:Choice xmlns:a14="http://schemas.microsoft.com/office/drawing/2010/main" Requires="a14">
           <p:sp>
             <p:nvSpPr>
               <p:cNvPr id="5" name="PoljeZBesedilom 4">
@@ -9812,8 +9134,8 @@
             </p:nvSpPr>
             <p:spPr>
               <a:xfrm>
-                <a:off x="4428565" y="5987534"/>
-                <a:ext cx="2850776" cy="400110"/>
+                <a:off x="2822636" y="5818711"/>
+                <a:ext cx="3799889" cy="523220"/>
               </a:xfrm>
               <a:prstGeom prst="rect">
                 <a:avLst/>
@@ -9837,7 +9159,7 @@
                     <m:sSub>
                       <m:sSubPr>
                         <m:ctrlPr>
-                          <a:rPr lang="sl-SI" sz="2000" i="1" smtClean="0">
+                          <a:rPr lang="sl-SI" sz="2800" i="1" smtClean="0">
                             <a:effectLst/>
                             <a:latin typeface="Cambria Math" panose="02040503050406030204" pitchFamily="18" charset="0"/>
                           </a:rPr>
@@ -9845,7 +9167,7 @@
                       </m:sSubPr>
                       <m:e>
                         <m:r>
-                          <a:rPr lang="sl-SI" sz="2000" b="0" i="1" smtClean="0">
+                          <a:rPr lang="sl-SI" sz="2800" b="0" i="1" smtClean="0">
                             <a:effectLst/>
                             <a:latin typeface="Cambria Math" panose="02040503050406030204" pitchFamily="18" charset="0"/>
                           </a:rPr>
@@ -9854,14 +9176,14 @@
                       </m:e>
                       <m:sub>
                         <m:r>
-                          <a:rPr lang="sl-SI" sz="2000" b="0" i="1" smtClean="0">
+                          <a:rPr lang="sl-SI" sz="2800" b="0" i="1" smtClean="0">
                             <a:effectLst/>
                             <a:latin typeface="Cambria Math" panose="02040503050406030204" pitchFamily="18" charset="0"/>
                           </a:rPr>
                           <m:t>𝑡</m:t>
                         </m:r>
                         <m:r>
-                          <a:rPr lang="sl-SI" sz="2000" b="0" i="1" smtClean="0">
+                          <a:rPr lang="sl-SI" sz="2800" b="0" i="1" smtClean="0">
                             <a:effectLst/>
                             <a:latin typeface="Cambria Math" panose="02040503050406030204" pitchFamily="18" charset="0"/>
                           </a:rPr>
@@ -9870,7 +9192,7 @@
                       </m:sub>
                     </m:sSub>
                     <m:r>
-                      <a:rPr lang="sl-SI" sz="2000" b="0" i="1" smtClean="0">
+                      <a:rPr lang="sl-SI" sz="2800" b="0" i="1" smtClean="0">
                         <a:effectLst/>
                         <a:latin typeface="Cambria Math" panose="02040503050406030204" pitchFamily="18" charset="0"/>
                       </a:rPr>
@@ -9879,7 +9201,7 @@
                     <m:sSub>
                       <m:sSubPr>
                         <m:ctrlPr>
-                          <a:rPr lang="sl-SI" sz="2000" b="0" i="1" smtClean="0">
+                          <a:rPr lang="sl-SI" sz="2800" b="0" i="1" smtClean="0">
                             <a:effectLst/>
                             <a:latin typeface="Cambria Math" panose="02040503050406030204" pitchFamily="18" charset="0"/>
                           </a:rPr>
@@ -9887,7 +9209,7 @@
                       </m:sSubPr>
                       <m:e>
                         <m:r>
-                          <a:rPr lang="sl-SI" sz="2000" b="0" i="1" smtClean="0">
+                          <a:rPr lang="sl-SI" sz="2800" b="0" i="1" smtClean="0">
                             <a:effectLst/>
                             <a:latin typeface="Cambria Math" panose="02040503050406030204" pitchFamily="18" charset="0"/>
                           </a:rPr>
@@ -9896,7 +9218,7 @@
                       </m:e>
                       <m:sub>
                         <m:r>
-                          <a:rPr lang="sl-SI" sz="2000" b="0" i="1" smtClean="0">
+                          <a:rPr lang="sl-SI" sz="2800" b="0" i="1" smtClean="0">
                             <a:effectLst/>
                             <a:latin typeface="Cambria Math" panose="02040503050406030204" pitchFamily="18" charset="0"/>
                           </a:rPr>
@@ -9905,7 +9227,7 @@
                       </m:sub>
                     </m:sSub>
                     <m:r>
-                      <a:rPr lang="sl-SI" sz="2000" i="1">
+                      <a:rPr lang="sl-SI" sz="2800" i="1">
                         <a:latin typeface="Cambria Math" panose="02040503050406030204" pitchFamily="18" charset="0"/>
                       </a:rPr>
                       <m:t>−</m:t>
@@ -9914,7 +9236,7 @@
                       <m:rPr>
                         <m:sty m:val="p"/>
                       </m:rPr>
-                      <a:rPr lang="el-GR" sz="2000" i="1" smtClean="0">
+                      <a:rPr lang="el-GR" sz="2800" i="1" smtClean="0">
                         <a:latin typeface="Cambria Math" panose="02040503050406030204" pitchFamily="18" charset="0"/>
                       </a:rPr>
                       <m:t>η</m:t>
@@ -9922,7 +9244,7 @@
                   </m:oMath>
                 </a14:m>
                 <a:r>
-                  <a:rPr lang="sl-SI" sz="2000" dirty="0">
+                  <a:rPr lang="sl-SI" sz="2800" dirty="0">
                     <a:ea typeface="Cambria Math" panose="02040503050406030204" pitchFamily="18" charset="0"/>
                   </a:rPr>
                   <a:t> </a:t>
@@ -9933,14 +9255,14 @@
                       <m:rPr>
                         <m:sty m:val="p"/>
                       </m:rPr>
-                      <a:rPr lang="sl-SI" sz="2000" i="1">
+                      <a:rPr lang="sl-SI" sz="2800" i="1">
                         <a:latin typeface="Cambria Math" panose="02040503050406030204" pitchFamily="18" charset="0"/>
                         <a:ea typeface="Cambria Math" panose="02040503050406030204" pitchFamily="18" charset="0"/>
                       </a:rPr>
                       <m:t>∇</m:t>
                     </m:r>
                     <m:r>
-                      <a:rPr lang="sl-SI" sz="2000" i="1">
+                      <a:rPr lang="sl-SI" sz="2800" i="1">
                         <a:latin typeface="Cambria Math" panose="02040503050406030204" pitchFamily="18" charset="0"/>
                         <a:ea typeface="Cambria Math" panose="02040503050406030204" pitchFamily="18" charset="0"/>
                       </a:rPr>
@@ -9949,30 +9271,48 @@
                     <m:d>
                       <m:dPr>
                         <m:ctrlPr>
-                          <a:rPr lang="sl-SI" sz="2000" i="1">
+                          <a:rPr lang="sl-SI" sz="2800" i="1">
                             <a:latin typeface="Cambria Math" panose="02040503050406030204" pitchFamily="18" charset="0"/>
                             <a:ea typeface="Cambria Math" panose="02040503050406030204" pitchFamily="18" charset="0"/>
                           </a:rPr>
                         </m:ctrlPr>
                       </m:dPr>
                       <m:e>
-                        <m:r>
-                          <a:rPr lang="sl-SI" sz="2000" i="1">
-                            <a:latin typeface="Cambria Math" panose="02040503050406030204" pitchFamily="18" charset="0"/>
-                            <a:ea typeface="Cambria Math" panose="02040503050406030204" pitchFamily="18" charset="0"/>
-                          </a:rPr>
-                          <m:t>𝑥</m:t>
-                        </m:r>
+                        <m:sSub>
+                          <m:sSubPr>
+                            <m:ctrlPr>
+                              <a:rPr lang="sl-SI" sz="2800" i="1">
+                                <a:latin typeface="Cambria Math" panose="02040503050406030204" pitchFamily="18" charset="0"/>
+                              </a:rPr>
+                            </m:ctrlPr>
+                          </m:sSubPr>
+                          <m:e>
+                            <m:r>
+                              <a:rPr lang="sl-SI" sz="2800" i="1">
+                                <a:latin typeface="Cambria Math" panose="02040503050406030204" pitchFamily="18" charset="0"/>
+                              </a:rPr>
+                              <m:t>𝑥</m:t>
+                            </m:r>
+                          </m:e>
+                          <m:sub>
+                            <m:r>
+                              <a:rPr lang="sl-SI" sz="2800" i="1">
+                                <a:latin typeface="Cambria Math" panose="02040503050406030204" pitchFamily="18" charset="0"/>
+                              </a:rPr>
+                              <m:t>𝑡</m:t>
+                            </m:r>
+                          </m:sub>
+                        </m:sSub>
                       </m:e>
                     </m:d>
                   </m:oMath>
                 </a14:m>
-                <a:endParaRPr lang="sl-SI" sz="2000" dirty="0"/>
+                <a:endParaRPr lang="sl-SI" sz="2800" dirty="0"/>
               </a:p>
             </p:txBody>
           </p:sp>
         </mc:Choice>
-        <mc:Fallback xmlns="">
+        <mc:Fallback>
           <p:sp>
             <p:nvSpPr>
               <p:cNvPr id="5" name="PoljeZBesedilom 4">
@@ -9989,8 +9329,8 @@
             </p:nvSpPr>
             <p:spPr>
               <a:xfrm>
-                <a:off x="4428565" y="5987534"/>
-                <a:ext cx="2850776" cy="400110"/>
+                <a:off x="2822636" y="5818711"/>
+                <a:ext cx="3799889" cy="523220"/>
               </a:xfrm>
               <a:prstGeom prst="rect">
                 <a:avLst/>
@@ -9998,7 +9338,7 @@
               <a:blipFill>
                 <a:blip r:embed="rId3"/>
                 <a:stretch>
-                  <a:fillRect b="-9722"/>
+                  <a:fillRect/>
                 </a:stretch>
               </a:blipFill>
               <a:ln w="38100">
@@ -10022,6 +9362,41 @@
           </p:sp>
         </mc:Fallback>
       </mc:AlternateContent>
+      <p:pic>
+        <p:nvPicPr>
+          <p:cNvPr id="6" name="Označba mesta vsebine 4">
+            <a:extLst>
+              <a:ext uri="{FF2B5EF4-FFF2-40B4-BE49-F238E27FC236}">
+                <a16:creationId xmlns:a16="http://schemas.microsoft.com/office/drawing/2014/main" id="{36A2F943-A63F-6617-DC98-1ADFF8A58EFD}"/>
+              </a:ext>
+            </a:extLst>
+          </p:cNvPr>
+          <p:cNvPicPr>
+            <a:picLocks noChangeAspect="1"/>
+          </p:cNvPicPr>
+          <p:nvPr/>
+        </p:nvPicPr>
+        <p:blipFill rotWithShape="1">
+          <a:blip r:embed="rId4">
+            <a:extLst>
+              <a:ext uri="{28A0092B-C50C-407E-A947-70E740481C1C}">
+                <a14:useLocalDpi xmlns:a14="http://schemas.microsoft.com/office/drawing/2010/main" val="0"/>
+              </a:ext>
+            </a:extLst>
+          </a:blip>
+          <a:srcRect r="7093"/>
+          <a:stretch/>
+        </p:blipFill>
+        <p:spPr>
+          <a:xfrm>
+            <a:off x="7440402" y="2840395"/>
+            <a:ext cx="4550448" cy="2832839"/>
+          </a:xfrm>
+          <a:prstGeom prst="rect">
+            <a:avLst/>
+          </a:prstGeom>
+        </p:spPr>
+      </p:pic>
     </p:spTree>
     <p:extLst>
       <p:ext uri="{BB962C8B-B14F-4D97-AF65-F5344CB8AC3E}">
@@ -10080,42 +9455,8 @@
           </a:p>
         </p:txBody>
       </p:sp>
-      <p:pic>
-        <p:nvPicPr>
-          <p:cNvPr id="5" name="Označba mesta vsebine 4">
-            <a:extLst>
-              <a:ext uri="{FF2B5EF4-FFF2-40B4-BE49-F238E27FC236}">
-                <a16:creationId xmlns:a16="http://schemas.microsoft.com/office/drawing/2014/main" id="{4D5FC441-B695-9C8B-797F-DEF2EDCA4107}"/>
-              </a:ext>
-            </a:extLst>
-          </p:cNvPr>
-          <p:cNvPicPr>
-            <a:picLocks noGrp="1" noChangeAspect="1"/>
-          </p:cNvPicPr>
-          <p:nvPr>
-            <p:ph idx="1"/>
-          </p:nvPr>
-        </p:nvPicPr>
-        <p:blipFill rotWithShape="1">
-          <a:blip r:embed="rId2">
-            <a:extLst>
-              <a:ext uri="{28A0092B-C50C-407E-A947-70E740481C1C}">
-                <a14:useLocalDpi xmlns:a14="http://schemas.microsoft.com/office/drawing/2010/main" val="0"/>
-              </a:ext>
-            </a:extLst>
-          </a:blip>
-          <a:srcRect r="7093"/>
-          <a:stretch/>
-        </p:blipFill>
-        <p:spPr>
-          <a:xfrm>
-            <a:off x="3431765" y="3037840"/>
-            <a:ext cx="5752875" cy="3581400"/>
-          </a:xfrm>
-        </p:spPr>
-      </p:pic>
-      <mc:AlternateContent xmlns:mc="http://schemas.openxmlformats.org/markup-compatibility/2006" xmlns:a14="http://schemas.microsoft.com/office/drawing/2010/main">
-        <mc:Choice Requires="a14">
+      <mc:AlternateContent xmlns:mc="http://schemas.openxmlformats.org/markup-compatibility/2006">
+        <mc:Choice xmlns:a14="http://schemas.microsoft.com/office/drawing/2010/main" Requires="a14">
           <p:sp>
             <p:nvSpPr>
               <p:cNvPr id="7" name="PoljeZBesedilom 6">
@@ -10130,8 +9471,8 @@
             </p:nvSpPr>
             <p:spPr>
               <a:xfrm>
-                <a:off x="1219200" y="1571535"/>
-                <a:ext cx="10739120" cy="1200329"/>
+                <a:off x="1219200" y="2551837"/>
+                <a:ext cx="9753600" cy="1754326"/>
               </a:xfrm>
               <a:prstGeom prst="rect">
                 <a:avLst/>
@@ -10150,6 +9491,11 @@
                   </a:rPr>
                   <a:t>Težave, ki se pri tem algoritmu pojavijo, so ustrezna izbira vhodnih podatkov. </a:t>
                 </a:r>
+              </a:p>
+              <a:p>
+                <a:endParaRPr lang="sl-SI" dirty="0">
+                  <a:effectLst/>
+                </a:endParaRPr>
               </a:p>
               <a:p>
                 <a:pPr marL="285750" indent="-285750">
@@ -10183,7 +9529,7 @@
                     <m:sSub>
                       <m:sSubPr>
                         <m:ctrlPr>
-                          <a:rPr lang="sl-SI" sz="1800" i="1" smtClean="0">
+                          <a:rPr lang="sl-SI" i="1" smtClean="0">
                             <a:effectLst/>
                             <a:latin typeface="Cambria Math" panose="02040503050406030204" pitchFamily="18" charset="0"/>
                           </a:rPr>
@@ -10191,7 +9537,7 @@
                       </m:sSubPr>
                       <m:e>
                         <m:r>
-                          <a:rPr lang="sl-SI" sz="1800" b="0" i="1" smtClean="0">
+                          <a:rPr lang="sl-SI" b="0" i="1" smtClean="0">
                             <a:effectLst/>
                             <a:latin typeface="Cambria Math" panose="02040503050406030204" pitchFamily="18" charset="0"/>
                           </a:rPr>
@@ -10200,7 +9546,7 @@
                       </m:e>
                       <m:sub>
                         <m:r>
-                          <a:rPr lang="sl-SI" sz="1800" b="0" i="1" smtClean="0">
+                          <a:rPr lang="sl-SI" b="0" i="1" smtClean="0">
                             <a:effectLst/>
                             <a:latin typeface="Cambria Math" panose="02040503050406030204" pitchFamily="18" charset="0"/>
                           </a:rPr>
@@ -10209,7 +9555,7 @@
                       </m:sub>
                     </m:sSub>
                     <m:r>
-                      <a:rPr lang="sl-SI" sz="1800" b="0" i="1" smtClean="0">
+                      <a:rPr lang="sl-SI" b="0" i="1" smtClean="0">
                         <a:effectLst/>
                         <a:latin typeface="Cambria Math" panose="02040503050406030204" pitchFamily="18" charset="0"/>
                       </a:rPr>
@@ -10224,7 +9570,7 @@
             </p:txBody>
           </p:sp>
         </mc:Choice>
-        <mc:Fallback xmlns="">
+        <mc:Fallback>
           <p:sp>
             <p:nvSpPr>
               <p:cNvPr id="7" name="PoljeZBesedilom 6">
@@ -10241,16 +9587,16 @@
             </p:nvSpPr>
             <p:spPr>
               <a:xfrm>
-                <a:off x="1219200" y="1571535"/>
-                <a:ext cx="10739120" cy="1200329"/>
+                <a:off x="1219200" y="2551837"/>
+                <a:ext cx="9753600" cy="1754326"/>
               </a:xfrm>
               <a:prstGeom prst="rect">
                 <a:avLst/>
               </a:prstGeom>
               <a:blipFill>
-                <a:blip r:embed="rId3"/>
+                <a:blip r:embed="rId2"/>
                 <a:stretch>
-                  <a:fillRect l="-454" t="-3046" b="-7107"/>
+                  <a:fillRect l="-500" t="-2091" b="-4878"/>
                 </a:stretch>
               </a:blipFill>
             </p:spPr>
